--- a/PPT Albertus Dwi S.pptx
+++ b/PPT Albertus Dwi S.pptx
@@ -20,7 +20,18 @@
     <p:sldId id="267" r:id="rId14"/>
     <p:sldId id="271" r:id="rId15"/>
     <p:sldId id="268" r:id="rId16"/>
-    <p:sldId id="269" r:id="rId17"/>
+    <p:sldId id="272" r:id="rId17"/>
+    <p:sldId id="269" r:id="rId18"/>
+    <p:sldId id="273" r:id="rId19"/>
+    <p:sldId id="274" r:id="rId20"/>
+    <p:sldId id="275" r:id="rId21"/>
+    <p:sldId id="276" r:id="rId22"/>
+    <p:sldId id="277" r:id="rId23"/>
+    <p:sldId id="278" r:id="rId24"/>
+    <p:sldId id="279" r:id="rId25"/>
+    <p:sldId id="280" r:id="rId26"/>
+    <p:sldId id="281" r:id="rId27"/>
+    <p:sldId id="282" r:id="rId28"/>
   </p:sldIdLst>
   <p:sldSz cx="9144000" cy="6858000" type="screen4x3"/>
   <p:notesSz cx="6858000" cy="9144000"/>
@@ -295,7 +306,7 @@
           <a:p>
             <a:fld id="{C9ACE01B-9166-48D8-A99C-E149DDF05FF5}" type="datetimeFigureOut">
               <a:rPr lang="en-US" smtClean="0"/>
-              <a:t>3/22/2019</a:t>
+              <a:t>3/23/2019</a:t>
             </a:fld>
             <a:endParaRPr lang="en-US"/>
           </a:p>
@@ -460,7 +471,7 @@
           <a:p>
             <a:fld id="{C9ACE01B-9166-48D8-A99C-E149DDF05FF5}" type="datetimeFigureOut">
               <a:rPr lang="en-US" smtClean="0"/>
-              <a:t>3/22/2019</a:t>
+              <a:t>3/23/2019</a:t>
             </a:fld>
             <a:endParaRPr lang="en-US"/>
           </a:p>
@@ -635,7 +646,7 @@
           <a:p>
             <a:fld id="{C9ACE01B-9166-48D8-A99C-E149DDF05FF5}" type="datetimeFigureOut">
               <a:rPr lang="en-US" smtClean="0"/>
-              <a:t>3/22/2019</a:t>
+              <a:t>3/23/2019</a:t>
             </a:fld>
             <a:endParaRPr lang="en-US"/>
           </a:p>
@@ -800,7 +811,7 @@
           <a:p>
             <a:fld id="{C9ACE01B-9166-48D8-A99C-E149DDF05FF5}" type="datetimeFigureOut">
               <a:rPr lang="en-US" smtClean="0"/>
-              <a:t>3/22/2019</a:t>
+              <a:t>3/23/2019</a:t>
             </a:fld>
             <a:endParaRPr lang="en-US"/>
           </a:p>
@@ -1042,7 +1053,7 @@
           <a:p>
             <a:fld id="{C9ACE01B-9166-48D8-A99C-E149DDF05FF5}" type="datetimeFigureOut">
               <a:rPr lang="en-US" smtClean="0"/>
-              <a:t>3/22/2019</a:t>
+              <a:t>3/23/2019</a:t>
             </a:fld>
             <a:endParaRPr lang="en-US"/>
           </a:p>
@@ -1306,7 +1317,7 @@
           <a:p>
             <a:fld id="{C9ACE01B-9166-48D8-A99C-E149DDF05FF5}" type="datetimeFigureOut">
               <a:rPr lang="en-US" smtClean="0"/>
-              <a:t>3/22/2019</a:t>
+              <a:t>3/23/2019</a:t>
             </a:fld>
             <a:endParaRPr lang="en-US"/>
           </a:p>
@@ -1684,7 +1695,7 @@
           <a:p>
             <a:fld id="{C9ACE01B-9166-48D8-A99C-E149DDF05FF5}" type="datetimeFigureOut">
               <a:rPr lang="en-US" smtClean="0"/>
-              <a:t>3/22/2019</a:t>
+              <a:t>3/23/2019</a:t>
             </a:fld>
             <a:endParaRPr lang="en-US"/>
           </a:p>
@@ -1834,7 +1845,7 @@
           <a:p>
             <a:fld id="{C9ACE01B-9166-48D8-A99C-E149DDF05FF5}" type="datetimeFigureOut">
               <a:rPr lang="en-US" smtClean="0"/>
-              <a:t>3/22/2019</a:t>
+              <a:t>3/23/2019</a:t>
             </a:fld>
             <a:endParaRPr lang="en-US"/>
           </a:p>
@@ -1924,7 +1935,7 @@
           <a:p>
             <a:fld id="{C9ACE01B-9166-48D8-A99C-E149DDF05FF5}" type="datetimeFigureOut">
               <a:rPr lang="en-US" smtClean="0"/>
-              <a:t>3/22/2019</a:t>
+              <a:t>3/23/2019</a:t>
             </a:fld>
             <a:endParaRPr lang="en-US"/>
           </a:p>
@@ -2185,7 +2196,7 @@
           <a:p>
             <a:fld id="{C9ACE01B-9166-48D8-A99C-E149DDF05FF5}" type="datetimeFigureOut">
               <a:rPr lang="en-US" smtClean="0"/>
-              <a:t>3/22/2019</a:t>
+              <a:t>3/23/2019</a:t>
             </a:fld>
             <a:endParaRPr lang="en-US"/>
           </a:p>
@@ -2473,7 +2484,7 @@
           <a:p>
             <a:fld id="{C9ACE01B-9166-48D8-A99C-E149DDF05FF5}" type="datetimeFigureOut">
               <a:rPr lang="en-US" smtClean="0"/>
-              <a:t>3/22/2019</a:t>
+              <a:t>3/23/2019</a:t>
             </a:fld>
             <a:endParaRPr lang="en-US"/>
           </a:p>
@@ -3244,7 +3255,7 @@
           <a:p>
             <a:fld id="{C9ACE01B-9166-48D8-A99C-E149DDF05FF5}" type="datetimeFigureOut">
               <a:rPr lang="en-US" smtClean="0"/>
-              <a:t>3/22/2019</a:t>
+              <a:t>3/23/2019</a:t>
             </a:fld>
             <a:endParaRPr lang="en-US"/>
           </a:p>
@@ -4039,11 +4050,7 @@
             </a:r>
             <a:r>
               <a:rPr lang="en-US" b="1" dirty="0" smtClean="0"/>
-              <a:t> data </a:t>
-            </a:r>
-            <a:r>
-              <a:rPr lang="en-US" b="1" dirty="0" err="1" smtClean="0"/>
-              <a:t>teks</a:t>
+              <a:t> data string</a:t>
             </a:r>
             <a:endParaRPr lang="en-US" dirty="0" smtClean="0"/>
           </a:p>
@@ -4631,6 +4638,13 @@
   <p:clrMapOvr>
     <a:masterClrMapping/>
   </p:clrMapOvr>
+  <p:timing>
+    <p:tnLst>
+      <p:par>
+        <p:cTn id="1" dur="indefinite" restart="never" nodeType="tmRoot"/>
+      </p:par>
+    </p:tnLst>
+  </p:timing>
 </p:sld>
 </file>
 
@@ -5063,7 +5077,23 @@
             </a:r>
             <a:r>
               <a:rPr lang="en-US" dirty="0" smtClean="0"/>
-              <a:t> data yang </a:t>
+              <a:t> </a:t>
+            </a:r>
+            <a:r>
+              <a:rPr lang="en-US" dirty="0" smtClean="0"/>
+              <a:t>data </a:t>
+            </a:r>
+            <a:r>
+              <a:rPr lang="en-US" dirty="0" err="1" smtClean="0"/>
+              <a:t>berurutan</a:t>
+            </a:r>
+            <a:r>
+              <a:rPr lang="en-US" dirty="0" smtClean="0"/>
+              <a:t> </a:t>
+            </a:r>
+            <a:r>
+              <a:rPr lang="en-US" dirty="0" smtClean="0"/>
+              <a:t>yang </a:t>
             </a:r>
             <a:r>
               <a:rPr lang="en-US" dirty="0" err="1" smtClean="0"/>
@@ -5670,7 +5700,139 @@
               <a:rPr lang="en-US" b="1" dirty="0" smtClean="0"/>
               <a:t>Tuple</a:t>
             </a:r>
-            <a:endParaRPr lang="en-US" b="1" dirty="0"/>
+          </a:p>
+          <a:p>
+            <a:pPr lvl="1"/>
+            <a:r>
+              <a:rPr lang="en-US" dirty="0" err="1" smtClean="0"/>
+              <a:t>Merupakan</a:t>
+            </a:r>
+            <a:r>
+              <a:rPr lang="en-US" dirty="0" smtClean="0"/>
+              <a:t> </a:t>
+            </a:r>
+            <a:r>
+              <a:rPr lang="en-US" dirty="0" err="1" smtClean="0"/>
+              <a:t>tipe</a:t>
+            </a:r>
+            <a:r>
+              <a:rPr lang="en-US" dirty="0" smtClean="0"/>
+              <a:t> yang </a:t>
+            </a:r>
+            <a:r>
+              <a:rPr lang="en-US" dirty="0" err="1" smtClean="0"/>
+              <a:t>sama</a:t>
+            </a:r>
+            <a:r>
+              <a:rPr lang="en-US" dirty="0" smtClean="0"/>
+              <a:t> </a:t>
+            </a:r>
+            <a:r>
+              <a:rPr lang="en-US" dirty="0" err="1" smtClean="0"/>
+              <a:t>dengan</a:t>
+            </a:r>
+            <a:r>
+              <a:rPr lang="en-US" dirty="0" smtClean="0"/>
+              <a:t> list, </a:t>
+            </a:r>
+            <a:r>
+              <a:rPr lang="en-US" dirty="0" err="1" smtClean="0"/>
+              <a:t>namun</a:t>
+            </a:r>
+            <a:r>
+              <a:rPr lang="en-US" dirty="0" smtClean="0"/>
+              <a:t> tuple </a:t>
+            </a:r>
+            <a:r>
+              <a:rPr lang="en-US" dirty="0" err="1" smtClean="0"/>
+              <a:t>tidak</a:t>
+            </a:r>
+            <a:r>
+              <a:rPr lang="en-US" dirty="0" smtClean="0"/>
+              <a:t> </a:t>
+            </a:r>
+            <a:r>
+              <a:rPr lang="en-US" dirty="0" err="1" smtClean="0"/>
+              <a:t>dapat</a:t>
+            </a:r>
+            <a:r>
+              <a:rPr lang="en-US" dirty="0" smtClean="0"/>
+              <a:t> </a:t>
+            </a:r>
+            <a:r>
+              <a:rPr lang="en-US" dirty="0" err="1" smtClean="0"/>
+              <a:t>diubah</a:t>
+            </a:r>
+            <a:r>
+              <a:rPr lang="en-US" dirty="0" smtClean="0"/>
+              <a:t> </a:t>
+            </a:r>
+            <a:r>
+              <a:rPr lang="en-US" dirty="0" err="1" smtClean="0"/>
+              <a:t>elemen</a:t>
+            </a:r>
+            <a:r>
+              <a:rPr lang="en-US" dirty="0" smtClean="0"/>
+              <a:t> </a:t>
+            </a:r>
+            <a:r>
+              <a:rPr lang="en-US" dirty="0" err="1" smtClean="0"/>
+              <a:t>nya</a:t>
+            </a:r>
+            <a:r>
+              <a:rPr lang="en-US" dirty="0" smtClean="0"/>
+              <a:t> </a:t>
+            </a:r>
+            <a:r>
+              <a:rPr lang="en-US" dirty="0" err="1" smtClean="0"/>
+              <a:t>seperti</a:t>
+            </a:r>
+            <a:r>
+              <a:rPr lang="en-US" dirty="0" smtClean="0"/>
+              <a:t> </a:t>
+            </a:r>
+            <a:r>
+              <a:rPr lang="en-US" dirty="0" err="1" smtClean="0"/>
+              <a:t>pada</a:t>
+            </a:r>
+            <a:r>
+              <a:rPr lang="en-US" dirty="0" smtClean="0"/>
+              <a:t> list.</a:t>
+            </a:r>
+          </a:p>
+          <a:p>
+            <a:pPr lvl="1"/>
+            <a:r>
+              <a:rPr lang="en-US" dirty="0" smtClean="0"/>
+              <a:t>Tuple </a:t>
+            </a:r>
+            <a:r>
+              <a:rPr lang="en-US" dirty="0" err="1" smtClean="0"/>
+              <a:t>menggunakan</a:t>
+            </a:r>
+            <a:r>
+              <a:rPr lang="en-US" dirty="0" smtClean="0"/>
+              <a:t> </a:t>
+            </a:r>
+            <a:r>
+              <a:rPr lang="en-US" dirty="0" err="1" smtClean="0"/>
+              <a:t>tanda</a:t>
+            </a:r>
+            <a:r>
+              <a:rPr lang="en-US" dirty="0" smtClean="0"/>
+              <a:t> “( “ </a:t>
+            </a:r>
+            <a:r>
+              <a:rPr lang="en-US" dirty="0" err="1" smtClean="0"/>
+              <a:t>dan</a:t>
+            </a:r>
+            <a:r>
+              <a:rPr lang="en-US" dirty="0" smtClean="0"/>
+              <a:t> “)”</a:t>
+            </a:r>
+          </a:p>
+          <a:p>
+            <a:endParaRPr lang="en-US" dirty="0"/>
           </a:p>
         </p:txBody>
       </p:sp>
@@ -5693,6 +5855,70 @@
           </a:p>
         </p:txBody>
       </p:sp>
+      <p:pic>
+        <p:nvPicPr>
+          <p:cNvPr id="1027" name="Picture 3"/>
+          <p:cNvPicPr>
+            <a:picLocks noChangeAspect="1" noChangeArrowheads="1"/>
+          </p:cNvPicPr>
+          <p:nvPr/>
+        </p:nvPicPr>
+        <p:blipFill>
+          <a:blip r:embed="rId2">
+            <a:extLst>
+              <a:ext uri="{28A0092B-C50C-407E-A947-70E740481C1C}">
+                <a14:useLocalDpi xmlns:a14="http://schemas.microsoft.com/office/drawing/2010/main" val="0"/>
+              </a:ext>
+            </a:extLst>
+          </a:blip>
+          <a:srcRect/>
+          <a:stretch>
+            <a:fillRect/>
+          </a:stretch>
+        </p:blipFill>
+        <p:spPr bwMode="auto">
+          <a:xfrm>
+            <a:off x="4572000" y="1905000"/>
+            <a:ext cx="3678634" cy="2362200"/>
+          </a:xfrm>
+          <a:prstGeom prst="rect">
+            <a:avLst/>
+          </a:prstGeom>
+          <a:noFill/>
+          <a:ln>
+            <a:noFill/>
+          </a:ln>
+          <a:effectLst/>
+          <a:extLst>
+            <a:ext uri="{909E8E84-426E-40DD-AFC4-6F175D3DCCD1}">
+              <a14:hiddenFill xmlns:a14="http://schemas.microsoft.com/office/drawing/2010/main">
+                <a:solidFill>
+                  <a:schemeClr val="accent1"/>
+                </a:solidFill>
+              </a14:hiddenFill>
+            </a:ext>
+            <a:ext uri="{91240B29-F687-4F45-9708-019B960494DF}">
+              <a14:hiddenLine xmlns:a14="http://schemas.microsoft.com/office/drawing/2010/main" w="9525">
+                <a:solidFill>
+                  <a:schemeClr val="tx1"/>
+                </a:solidFill>
+                <a:miter lim="800000"/>
+                <a:headEnd/>
+                <a:tailEnd/>
+              </a14:hiddenLine>
+            </a:ext>
+            <a:ext uri="{AF507438-7753-43E0-B8FC-AC1667EBCBE1}">
+              <a14:hiddenEffects xmlns:a14="http://schemas.microsoft.com/office/drawing/2010/main">
+                <a:effectLst>
+                  <a:outerShdw dist="35921" dir="2700000" algn="ctr" rotWithShape="0">
+                    <a:schemeClr val="bg2"/>
+                  </a:outerShdw>
+                </a:effectLst>
+              </a14:hiddenEffects>
+            </a:ext>
+          </a:extLst>
+        </p:spPr>
+      </p:pic>
     </p:spTree>
     <p:extLst>
       <p:ext uri="{BB962C8B-B14F-4D97-AF65-F5344CB8AC3E}">
@@ -5746,25 +5972,370 @@
           <a:lstStyle/>
           <a:p>
             <a:r>
-              <a:rPr lang="en-US" dirty="0" err="1" smtClean="0"/>
+              <a:rPr lang="en-US" dirty="0" err="1"/>
               <a:t>Tipe</a:t>
             </a:r>
             <a:r>
-              <a:rPr lang="en-US" dirty="0" smtClean="0"/>
+              <a:rPr lang="en-US" dirty="0"/>
               <a:t> Data Python</a:t>
             </a:r>
+          </a:p>
+        </p:txBody>
+      </p:sp>
+      <p:sp>
+        <p:nvSpPr>
+          <p:cNvPr id="3" name="Content Placeholder 2"/>
+          <p:cNvSpPr>
+            <a:spLocks noGrp="1"/>
+          </p:cNvSpPr>
+          <p:nvPr>
+            <p:ph sz="half" idx="1"/>
+          </p:nvPr>
+        </p:nvSpPr>
+        <p:spPr/>
+        <p:txBody>
+          <a:bodyPr/>
+          <a:lstStyle/>
+          <a:p>
+            <a:r>
+              <a:rPr lang="en-US" dirty="0" err="1" smtClean="0"/>
+              <a:t>Akses</a:t>
+            </a:r>
+            <a:r>
+              <a:rPr lang="en-US" dirty="0" smtClean="0"/>
+              <a:t> </a:t>
+            </a:r>
+            <a:r>
+              <a:rPr lang="en-US" dirty="0" err="1" smtClean="0"/>
+              <a:t>elemen</a:t>
+            </a:r>
+            <a:r>
+              <a:rPr lang="en-US" dirty="0" smtClean="0"/>
+              <a:t> tuple</a:t>
+            </a:r>
+          </a:p>
+          <a:p>
+            <a:r>
+              <a:rPr lang="en-US" dirty="0" err="1" smtClean="0"/>
+              <a:t>Gabung</a:t>
+            </a:r>
+            <a:r>
+              <a:rPr lang="en-US" dirty="0" smtClean="0"/>
+              <a:t> </a:t>
+            </a:r>
+            <a:r>
+              <a:rPr lang="en-US" dirty="0" err="1" smtClean="0"/>
+              <a:t>elemen</a:t>
+            </a:r>
+            <a:r>
+              <a:rPr lang="en-US" dirty="0" smtClean="0"/>
+              <a:t> tuple</a:t>
+            </a:r>
+          </a:p>
+          <a:p>
+            <a:r>
+              <a:rPr lang="en-US" dirty="0"/>
+              <a:t>Delete </a:t>
+            </a:r>
+            <a:r>
+              <a:rPr lang="en-US" dirty="0" err="1"/>
+              <a:t>elemen</a:t>
+            </a:r>
+            <a:r>
+              <a:rPr lang="en-US" dirty="0"/>
+              <a:t> tuple</a:t>
+            </a:r>
+            <a:endParaRPr lang="en-US" dirty="0" smtClean="0"/>
+          </a:p>
+          <a:p>
+            <a:pPr lvl="1"/>
             <a:endParaRPr lang="en-US" dirty="0"/>
           </a:p>
         </p:txBody>
       </p:sp>
       <p:sp>
         <p:nvSpPr>
+          <p:cNvPr id="4" name="Content Placeholder 3"/>
+          <p:cNvSpPr>
+            <a:spLocks noGrp="1"/>
+          </p:cNvSpPr>
+          <p:nvPr>
+            <p:ph sz="half" idx="2"/>
+          </p:nvPr>
+        </p:nvSpPr>
+        <p:spPr/>
+        <p:txBody>
+          <a:bodyPr/>
+          <a:lstStyle/>
+          <a:p>
+            <a:endParaRPr lang="en-US" dirty="0"/>
+          </a:p>
+        </p:txBody>
+      </p:sp>
+      <p:pic>
+        <p:nvPicPr>
+          <p:cNvPr id="2050" name="Picture 2"/>
+          <p:cNvPicPr>
+            <a:picLocks noChangeAspect="1" noChangeArrowheads="1"/>
+          </p:cNvPicPr>
+          <p:nvPr/>
+        </p:nvPicPr>
+        <p:blipFill>
+          <a:blip r:embed="rId2">
+            <a:extLst>
+              <a:ext uri="{28A0092B-C50C-407E-A947-70E740481C1C}">
+                <a14:useLocalDpi xmlns:a14="http://schemas.microsoft.com/office/drawing/2010/main" val="0"/>
+              </a:ext>
+            </a:extLst>
+          </a:blip>
+          <a:srcRect/>
+          <a:stretch>
+            <a:fillRect/>
+          </a:stretch>
+        </p:blipFill>
+        <p:spPr bwMode="auto">
+          <a:xfrm>
+            <a:off x="838200" y="3733800"/>
+            <a:ext cx="2653748" cy="1371600"/>
+          </a:xfrm>
+          <a:prstGeom prst="rect">
+            <a:avLst/>
+          </a:prstGeom>
+          <a:noFill/>
+          <a:ln>
+            <a:noFill/>
+          </a:ln>
+          <a:effectLst/>
+          <a:extLst>
+            <a:ext uri="{909E8E84-426E-40DD-AFC4-6F175D3DCCD1}">
+              <a14:hiddenFill xmlns:a14="http://schemas.microsoft.com/office/drawing/2010/main">
+                <a:solidFill>
+                  <a:schemeClr val="accent1"/>
+                </a:solidFill>
+              </a14:hiddenFill>
+            </a:ext>
+            <a:ext uri="{91240B29-F687-4F45-9708-019B960494DF}">
+              <a14:hiddenLine xmlns:a14="http://schemas.microsoft.com/office/drawing/2010/main" w="9525">
+                <a:solidFill>
+                  <a:schemeClr val="tx1"/>
+                </a:solidFill>
+                <a:miter lim="800000"/>
+                <a:headEnd/>
+                <a:tailEnd/>
+              </a14:hiddenLine>
+            </a:ext>
+            <a:ext uri="{AF507438-7753-43E0-B8FC-AC1667EBCBE1}">
+              <a14:hiddenEffects xmlns:a14="http://schemas.microsoft.com/office/drawing/2010/main">
+                <a:effectLst>
+                  <a:outerShdw dist="35921" dir="2700000" algn="ctr" rotWithShape="0">
+                    <a:schemeClr val="bg2"/>
+                  </a:outerShdw>
+                </a:effectLst>
+              </a14:hiddenEffects>
+            </a:ext>
+          </a:extLst>
+        </p:spPr>
+      </p:pic>
+      <p:pic>
+        <p:nvPicPr>
+          <p:cNvPr id="2051" name="Picture 3"/>
+          <p:cNvPicPr>
+            <a:picLocks noChangeAspect="1" noChangeArrowheads="1"/>
+          </p:cNvPicPr>
+          <p:nvPr/>
+        </p:nvPicPr>
+        <p:blipFill>
+          <a:blip r:embed="rId3">
+            <a:extLst>
+              <a:ext uri="{28A0092B-C50C-407E-A947-70E740481C1C}">
+                <a14:useLocalDpi xmlns:a14="http://schemas.microsoft.com/office/drawing/2010/main" val="0"/>
+              </a:ext>
+            </a:extLst>
+          </a:blip>
+          <a:srcRect/>
+          <a:stretch>
+            <a:fillRect/>
+          </a:stretch>
+        </p:blipFill>
+        <p:spPr bwMode="auto">
+          <a:xfrm>
+            <a:off x="4390103" y="2429797"/>
+            <a:ext cx="3781004" cy="1600200"/>
+          </a:xfrm>
+          <a:prstGeom prst="rect">
+            <a:avLst/>
+          </a:prstGeom>
+          <a:noFill/>
+          <a:ln>
+            <a:noFill/>
+          </a:ln>
+          <a:effectLst/>
+          <a:extLst>
+            <a:ext uri="{909E8E84-426E-40DD-AFC4-6F175D3DCCD1}">
+              <a14:hiddenFill xmlns:a14="http://schemas.microsoft.com/office/drawing/2010/main">
+                <a:solidFill>
+                  <a:schemeClr val="accent1"/>
+                </a:solidFill>
+              </a14:hiddenFill>
+            </a:ext>
+            <a:ext uri="{91240B29-F687-4F45-9708-019B960494DF}">
+              <a14:hiddenLine xmlns:a14="http://schemas.microsoft.com/office/drawing/2010/main" w="9525">
+                <a:solidFill>
+                  <a:schemeClr val="tx1"/>
+                </a:solidFill>
+                <a:miter lim="800000"/>
+                <a:headEnd/>
+                <a:tailEnd/>
+              </a14:hiddenLine>
+            </a:ext>
+            <a:ext uri="{AF507438-7753-43E0-B8FC-AC1667EBCBE1}">
+              <a14:hiddenEffects xmlns:a14="http://schemas.microsoft.com/office/drawing/2010/main">
+                <a:effectLst>
+                  <a:outerShdw dist="35921" dir="2700000" algn="ctr" rotWithShape="0">
+                    <a:schemeClr val="bg2"/>
+                  </a:outerShdw>
+                </a:effectLst>
+              </a14:hiddenEffects>
+            </a:ext>
+          </a:extLst>
+        </p:spPr>
+      </p:pic>
+      <p:pic>
+        <p:nvPicPr>
+          <p:cNvPr id="2052" name="Picture 4"/>
+          <p:cNvPicPr>
+            <a:picLocks noChangeAspect="1" noChangeArrowheads="1"/>
+          </p:cNvPicPr>
+          <p:nvPr/>
+        </p:nvPicPr>
+        <p:blipFill>
+          <a:blip r:embed="rId4">
+            <a:extLst>
+              <a:ext uri="{28A0092B-C50C-407E-A947-70E740481C1C}">
+                <a14:useLocalDpi xmlns:a14="http://schemas.microsoft.com/office/drawing/2010/main" val="0"/>
+              </a:ext>
+            </a:extLst>
+          </a:blip>
+          <a:srcRect/>
+          <a:stretch>
+            <a:fillRect/>
+          </a:stretch>
+        </p:blipFill>
+        <p:spPr bwMode="auto">
+          <a:xfrm>
+            <a:off x="4398885" y="4267200"/>
+            <a:ext cx="4500860" cy="2180303"/>
+          </a:xfrm>
+          <a:prstGeom prst="rect">
+            <a:avLst/>
+          </a:prstGeom>
+          <a:noFill/>
+          <a:ln>
+            <a:noFill/>
+          </a:ln>
+          <a:effectLst/>
+          <a:extLst>
+            <a:ext uri="{909E8E84-426E-40DD-AFC4-6F175D3DCCD1}">
+              <a14:hiddenFill xmlns:a14="http://schemas.microsoft.com/office/drawing/2010/main">
+                <a:solidFill>
+                  <a:schemeClr val="accent1"/>
+                </a:solidFill>
+              </a14:hiddenFill>
+            </a:ext>
+            <a:ext uri="{91240B29-F687-4F45-9708-019B960494DF}">
+              <a14:hiddenLine xmlns:a14="http://schemas.microsoft.com/office/drawing/2010/main" w="9525">
+                <a:solidFill>
+                  <a:schemeClr val="tx1"/>
+                </a:solidFill>
+                <a:miter lim="800000"/>
+                <a:headEnd/>
+                <a:tailEnd/>
+              </a14:hiddenLine>
+            </a:ext>
+            <a:ext uri="{AF507438-7753-43E0-B8FC-AC1667EBCBE1}">
+              <a14:hiddenEffects xmlns:a14="http://schemas.microsoft.com/office/drawing/2010/main">
+                <a:effectLst>
+                  <a:outerShdw dist="35921" dir="2700000" algn="ctr" rotWithShape="0">
+                    <a:schemeClr val="bg2"/>
+                  </a:outerShdw>
+                </a:effectLst>
+              </a14:hiddenEffects>
+            </a:ext>
+          </a:extLst>
+        </p:spPr>
+      </p:pic>
+    </p:spTree>
+    <p:extLst>
+      <p:ext uri="{BB962C8B-B14F-4D97-AF65-F5344CB8AC3E}">
+        <p14:creationId xmlns:p14="http://schemas.microsoft.com/office/powerpoint/2010/main" val="2317108696"/>
+      </p:ext>
+    </p:extLst>
+  </p:cSld>
+  <p:clrMapOvr>
+    <a:masterClrMapping/>
+  </p:clrMapOvr>
+  <p:timing>
+    <p:tnLst>
+      <p:par>
+        <p:cTn id="1" dur="indefinite" restart="never" nodeType="tmRoot"/>
+      </p:par>
+    </p:tnLst>
+  </p:timing>
+</p:sld>
+</file>
+
+<file path=ppt/slides/slide17.xml><?xml version="1.0" encoding="utf-8"?>
+<p:sld xmlns:a="http://schemas.openxmlformats.org/drawingml/2006/main" xmlns:r="http://schemas.openxmlformats.org/officeDocument/2006/relationships" xmlns:p="http://schemas.openxmlformats.org/presentationml/2006/main">
+  <p:cSld>
+    <p:spTree>
+      <p:nvGrpSpPr>
+        <p:cNvPr id="1" name=""/>
+        <p:cNvGrpSpPr/>
+        <p:nvPr/>
+      </p:nvGrpSpPr>
+      <p:grpSpPr>
+        <a:xfrm>
+          <a:off x="0" y="0"/>
+          <a:ext cx="0" cy="0"/>
+          <a:chOff x="0" y="0"/>
+          <a:chExt cx="0" cy="0"/>
+        </a:xfrm>
+      </p:grpSpPr>
+      <p:sp>
+        <p:nvSpPr>
+          <p:cNvPr id="2" name="Title 1"/>
+          <p:cNvSpPr>
+            <a:spLocks noGrp="1"/>
+          </p:cNvSpPr>
+          <p:nvPr>
+            <p:ph type="title"/>
+          </p:nvPr>
+        </p:nvSpPr>
+        <p:spPr/>
+        <p:txBody>
+          <a:bodyPr/>
+          <a:lstStyle/>
+          <a:p>
+            <a:r>
+              <a:rPr lang="en-US" dirty="0" err="1" smtClean="0"/>
+              <a:t>Tipe</a:t>
+            </a:r>
+            <a:r>
+              <a:rPr lang="en-US" dirty="0" smtClean="0"/>
+              <a:t> Data Python</a:t>
+            </a:r>
+            <a:endParaRPr lang="en-US" dirty="0"/>
+          </a:p>
+        </p:txBody>
+      </p:sp>
+      <p:sp>
+        <p:nvSpPr>
           <p:cNvPr id="3" name="Content Placeholder 2"/>
           <p:cNvSpPr>
             <a:spLocks noGrp="1"/>
           </p:cNvSpPr>
           <p:nvPr>
-            <p:ph sz="half" idx="1"/>
+            <p:ph idx="1"/>
           </p:nvPr>
         </p:nvSpPr>
         <p:spPr/>
@@ -5776,33 +6347,588 @@
               <a:rPr lang="en-US" b="1" dirty="0" smtClean="0"/>
               <a:t>Dictionary</a:t>
             </a:r>
-            <a:endParaRPr lang="en-US" b="1" dirty="0"/>
-          </a:p>
-        </p:txBody>
-      </p:sp>
-      <p:sp>
-        <p:nvSpPr>
-          <p:cNvPr id="4" name="Content Placeholder 3"/>
-          <p:cNvSpPr>
-            <a:spLocks noGrp="1"/>
-          </p:cNvSpPr>
-          <p:nvPr>
-            <p:ph sz="half" idx="2"/>
-          </p:nvPr>
-        </p:nvSpPr>
-        <p:spPr/>
-        <p:txBody>
-          <a:bodyPr/>
-          <a:lstStyle/>
-          <a:p>
-            <a:endParaRPr lang="en-US"/>
-          </a:p>
-        </p:txBody>
-      </p:sp>
+          </a:p>
+          <a:p>
+            <a:pPr lvl="1"/>
+            <a:r>
+              <a:rPr lang="en-US" dirty="0" err="1" smtClean="0"/>
+              <a:t>kumpulan</a:t>
+            </a:r>
+            <a:r>
+              <a:rPr lang="en-US" dirty="0" smtClean="0"/>
+              <a:t> data </a:t>
+            </a:r>
+            <a:r>
+              <a:rPr lang="en-US" dirty="0" err="1" smtClean="0"/>
+              <a:t>berurutan</a:t>
+            </a:r>
+            <a:r>
+              <a:rPr lang="en-US" dirty="0" smtClean="0"/>
+              <a:t> </a:t>
+            </a:r>
+            <a:r>
+              <a:rPr lang="en-US" dirty="0" err="1" smtClean="0"/>
+              <a:t>berupa</a:t>
+            </a:r>
+            <a:r>
+              <a:rPr lang="en-US" dirty="0" smtClean="0"/>
+              <a:t> </a:t>
+            </a:r>
+            <a:r>
+              <a:rPr lang="en-US" dirty="0" err="1" smtClean="0"/>
+              <a:t>pasangan</a:t>
+            </a:r>
+            <a:r>
+              <a:rPr lang="en-US" dirty="0" smtClean="0"/>
+              <a:t> </a:t>
+            </a:r>
+            <a:r>
+              <a:rPr lang="en-US" dirty="0" err="1" smtClean="0"/>
+              <a:t>kunci</a:t>
+            </a:r>
+            <a:r>
+              <a:rPr lang="en-US" dirty="0" smtClean="0"/>
+              <a:t> </a:t>
+            </a:r>
+            <a:r>
+              <a:rPr lang="en-US" dirty="0" err="1" smtClean="0"/>
+              <a:t>dan</a:t>
+            </a:r>
+            <a:r>
+              <a:rPr lang="en-US" dirty="0" smtClean="0"/>
+              <a:t> </a:t>
+            </a:r>
+            <a:r>
+              <a:rPr lang="en-US" dirty="0" err="1" smtClean="0"/>
+              <a:t>nilai</a:t>
+            </a:r>
+            <a:r>
+              <a:rPr lang="en-US" dirty="0" smtClean="0"/>
+              <a:t>.</a:t>
+            </a:r>
+          </a:p>
+          <a:p>
+            <a:pPr lvl="1"/>
+            <a:endParaRPr lang="en-US" dirty="0"/>
+          </a:p>
+        </p:txBody>
+      </p:sp>
+      <p:pic>
+        <p:nvPicPr>
+          <p:cNvPr id="1027" name="Picture 3"/>
+          <p:cNvPicPr>
+            <a:picLocks noChangeAspect="1" noChangeArrowheads="1"/>
+          </p:cNvPicPr>
+          <p:nvPr/>
+        </p:nvPicPr>
+        <p:blipFill>
+          <a:blip r:embed="rId2">
+            <a:extLst>
+              <a:ext uri="{28A0092B-C50C-407E-A947-70E740481C1C}">
+                <a14:useLocalDpi xmlns:a14="http://schemas.microsoft.com/office/drawing/2010/main" val="0"/>
+              </a:ext>
+            </a:extLst>
+          </a:blip>
+          <a:srcRect/>
+          <a:stretch>
+            <a:fillRect/>
+          </a:stretch>
+        </p:blipFill>
+        <p:spPr bwMode="auto">
+          <a:xfrm>
+            <a:off x="1295400" y="3886200"/>
+            <a:ext cx="6686550" cy="1371600"/>
+          </a:xfrm>
+          <a:prstGeom prst="rect">
+            <a:avLst/>
+          </a:prstGeom>
+          <a:noFill/>
+          <a:ln>
+            <a:noFill/>
+          </a:ln>
+          <a:effectLst/>
+          <a:extLst>
+            <a:ext uri="{909E8E84-426E-40DD-AFC4-6F175D3DCCD1}">
+              <a14:hiddenFill xmlns:a14="http://schemas.microsoft.com/office/drawing/2010/main">
+                <a:solidFill>
+                  <a:schemeClr val="accent1"/>
+                </a:solidFill>
+              </a14:hiddenFill>
+            </a:ext>
+            <a:ext uri="{91240B29-F687-4F45-9708-019B960494DF}">
+              <a14:hiddenLine xmlns:a14="http://schemas.microsoft.com/office/drawing/2010/main" w="9525">
+                <a:solidFill>
+                  <a:schemeClr val="tx1"/>
+                </a:solidFill>
+                <a:miter lim="800000"/>
+                <a:headEnd/>
+                <a:tailEnd/>
+              </a14:hiddenLine>
+            </a:ext>
+            <a:ext uri="{AF507438-7753-43E0-B8FC-AC1667EBCBE1}">
+              <a14:hiddenEffects xmlns:a14="http://schemas.microsoft.com/office/drawing/2010/main">
+                <a:effectLst>
+                  <a:outerShdw dist="35921" dir="2700000" algn="ctr" rotWithShape="0">
+                    <a:schemeClr val="bg2"/>
+                  </a:outerShdw>
+                </a:effectLst>
+              </a14:hiddenEffects>
+            </a:ext>
+          </a:extLst>
+        </p:spPr>
+      </p:pic>
     </p:spTree>
     <p:extLst>
       <p:ext uri="{BB962C8B-B14F-4D97-AF65-F5344CB8AC3E}">
         <p14:creationId xmlns:p14="http://schemas.microsoft.com/office/powerpoint/2010/main" val="3095689427"/>
+      </p:ext>
+    </p:extLst>
+  </p:cSld>
+  <p:clrMapOvr>
+    <a:masterClrMapping/>
+  </p:clrMapOvr>
+  <p:timing>
+    <p:tnLst>
+      <p:par>
+        <p:cTn id="1" dur="indefinite" restart="never" nodeType="tmRoot"/>
+      </p:par>
+    </p:tnLst>
+  </p:timing>
+</p:sld>
+</file>
+
+<file path=ppt/slides/slide18.xml><?xml version="1.0" encoding="utf-8"?>
+<p:sld xmlns:a="http://schemas.openxmlformats.org/drawingml/2006/main" xmlns:r="http://schemas.openxmlformats.org/officeDocument/2006/relationships" xmlns:p="http://schemas.openxmlformats.org/presentationml/2006/main">
+  <p:cSld>
+    <p:spTree>
+      <p:nvGrpSpPr>
+        <p:cNvPr id="1" name=""/>
+        <p:cNvGrpSpPr/>
+        <p:nvPr/>
+      </p:nvGrpSpPr>
+      <p:grpSpPr>
+        <a:xfrm>
+          <a:off x="0" y="0"/>
+          <a:ext cx="0" cy="0"/>
+          <a:chOff x="0" y="0"/>
+          <a:chExt cx="0" cy="0"/>
+        </a:xfrm>
+      </p:grpSpPr>
+      <p:sp>
+        <p:nvSpPr>
+          <p:cNvPr id="4" name="Title 3"/>
+          <p:cNvSpPr>
+            <a:spLocks noGrp="1"/>
+          </p:cNvSpPr>
+          <p:nvPr>
+            <p:ph type="title"/>
+          </p:nvPr>
+        </p:nvSpPr>
+        <p:spPr>
+          <a:xfrm>
+            <a:off x="457200" y="381000"/>
+            <a:ext cx="8229600" cy="1143000"/>
+          </a:xfrm>
+        </p:spPr>
+        <p:txBody>
+          <a:bodyPr/>
+          <a:lstStyle/>
+          <a:p>
+            <a:r>
+              <a:rPr lang="en-US" dirty="0" err="1" smtClean="0"/>
+              <a:t>Tipe</a:t>
+            </a:r>
+            <a:r>
+              <a:rPr lang="en-US" dirty="0" smtClean="0"/>
+              <a:t> Data Python</a:t>
+            </a:r>
+            <a:endParaRPr lang="en-US" dirty="0"/>
+          </a:p>
+        </p:txBody>
+      </p:sp>
+      <p:sp>
+        <p:nvSpPr>
+          <p:cNvPr id="5" name="Content Placeholder 4"/>
+          <p:cNvSpPr>
+            <a:spLocks noGrp="1"/>
+          </p:cNvSpPr>
+          <p:nvPr>
+            <p:ph sz="half" idx="1"/>
+          </p:nvPr>
+        </p:nvSpPr>
+        <p:spPr>
+          <a:xfrm>
+            <a:off x="457200" y="1524000"/>
+            <a:ext cx="8305800" cy="4434840"/>
+          </a:xfrm>
+        </p:spPr>
+        <p:txBody>
+          <a:bodyPr/>
+          <a:lstStyle/>
+          <a:p>
+            <a:r>
+              <a:rPr lang="en-US" dirty="0" err="1" smtClean="0"/>
+              <a:t>Akses</a:t>
+            </a:r>
+            <a:r>
+              <a:rPr lang="en-US" dirty="0" smtClean="0"/>
+              <a:t> </a:t>
+            </a:r>
+            <a:r>
+              <a:rPr lang="en-US" dirty="0" err="1" smtClean="0"/>
+              <a:t>elemen</a:t>
+            </a:r>
+            <a:r>
+              <a:rPr lang="en-US" dirty="0" smtClean="0"/>
+              <a:t> Dictionary</a:t>
+            </a:r>
+          </a:p>
+          <a:p>
+            <a:r>
+              <a:rPr lang="en-US" dirty="0" smtClean="0"/>
+              <a:t>Update </a:t>
+            </a:r>
+            <a:r>
+              <a:rPr lang="en-US" dirty="0" err="1"/>
+              <a:t>elemen</a:t>
+            </a:r>
+            <a:r>
+              <a:rPr lang="en-US" dirty="0" smtClean="0"/>
+              <a:t> Dictionary</a:t>
+            </a:r>
+          </a:p>
+          <a:p>
+            <a:r>
+              <a:rPr lang="en-US" dirty="0" smtClean="0"/>
+              <a:t>Delete </a:t>
+            </a:r>
+            <a:r>
+              <a:rPr lang="en-US" dirty="0" err="1"/>
+              <a:t>elemen</a:t>
+            </a:r>
+            <a:r>
+              <a:rPr lang="en-US" dirty="0" smtClean="0"/>
+              <a:t> Dictionary</a:t>
+            </a:r>
+            <a:endParaRPr lang="en-US" dirty="0"/>
+          </a:p>
+        </p:txBody>
+      </p:sp>
+      <p:pic>
+        <p:nvPicPr>
+          <p:cNvPr id="2050" name="Picture 2"/>
+          <p:cNvPicPr>
+            <a:picLocks noGrp="1" noChangeAspect="1" noChangeArrowheads="1"/>
+          </p:cNvPicPr>
+          <p:nvPr>
+            <p:ph sz="half" idx="2"/>
+          </p:nvPr>
+        </p:nvPicPr>
+        <p:blipFill>
+          <a:blip r:embed="rId2">
+            <a:extLst>
+              <a:ext uri="{28A0092B-C50C-407E-A947-70E740481C1C}">
+                <a14:useLocalDpi xmlns:a14="http://schemas.microsoft.com/office/drawing/2010/main" val="0"/>
+              </a:ext>
+            </a:extLst>
+          </a:blip>
+          <a:srcRect/>
+          <a:stretch>
+            <a:fillRect/>
+          </a:stretch>
+        </p:blipFill>
+        <p:spPr bwMode="auto">
+          <a:xfrm>
+            <a:off x="1676400" y="3124200"/>
+            <a:ext cx="6315867" cy="3429000"/>
+          </a:xfrm>
+          <a:prstGeom prst="rect">
+            <a:avLst/>
+          </a:prstGeom>
+          <a:noFill/>
+          <a:ln>
+            <a:noFill/>
+          </a:ln>
+          <a:effectLst/>
+          <a:extLst>
+            <a:ext uri="{909E8E84-426E-40DD-AFC4-6F175D3DCCD1}">
+              <a14:hiddenFill xmlns:a14="http://schemas.microsoft.com/office/drawing/2010/main">
+                <a:solidFill>
+                  <a:schemeClr val="accent1"/>
+                </a:solidFill>
+              </a14:hiddenFill>
+            </a:ext>
+            <a:ext uri="{91240B29-F687-4F45-9708-019B960494DF}">
+              <a14:hiddenLine xmlns:a14="http://schemas.microsoft.com/office/drawing/2010/main" w="9525">
+                <a:solidFill>
+                  <a:schemeClr val="tx1"/>
+                </a:solidFill>
+                <a:miter lim="800000"/>
+                <a:headEnd/>
+                <a:tailEnd/>
+              </a14:hiddenLine>
+            </a:ext>
+            <a:ext uri="{AF507438-7753-43E0-B8FC-AC1667EBCBE1}">
+              <a14:hiddenEffects xmlns:a14="http://schemas.microsoft.com/office/drawing/2010/main">
+                <a:effectLst>
+                  <a:outerShdw dist="35921" dir="2700000" algn="ctr" rotWithShape="0">
+                    <a:schemeClr val="bg2"/>
+                  </a:outerShdw>
+                </a:effectLst>
+              </a14:hiddenEffects>
+            </a:ext>
+          </a:extLst>
+        </p:spPr>
+      </p:pic>
+    </p:spTree>
+    <p:extLst>
+      <p:ext uri="{BB962C8B-B14F-4D97-AF65-F5344CB8AC3E}">
+        <p14:creationId xmlns:p14="http://schemas.microsoft.com/office/powerpoint/2010/main" val="4267438870"/>
+      </p:ext>
+    </p:extLst>
+  </p:cSld>
+  <p:clrMapOvr>
+    <a:masterClrMapping/>
+  </p:clrMapOvr>
+  <p:timing>
+    <p:tnLst>
+      <p:par>
+        <p:cTn id="1" dur="indefinite" restart="never" nodeType="tmRoot"/>
+      </p:par>
+    </p:tnLst>
+  </p:timing>
+</p:sld>
+</file>
+
+<file path=ppt/slides/slide19.xml><?xml version="1.0" encoding="utf-8"?>
+<p:sld xmlns:a="http://schemas.openxmlformats.org/drawingml/2006/main" xmlns:r="http://schemas.openxmlformats.org/officeDocument/2006/relationships" xmlns:p="http://schemas.openxmlformats.org/presentationml/2006/main">
+  <p:cSld>
+    <p:spTree>
+      <p:nvGrpSpPr>
+        <p:cNvPr id="1" name=""/>
+        <p:cNvGrpSpPr/>
+        <p:nvPr/>
+      </p:nvGrpSpPr>
+      <p:grpSpPr>
+        <a:xfrm>
+          <a:off x="0" y="0"/>
+          <a:ext cx="0" cy="0"/>
+          <a:chOff x="0" y="0"/>
+          <a:chExt cx="0" cy="0"/>
+        </a:xfrm>
+      </p:grpSpPr>
+      <p:sp>
+        <p:nvSpPr>
+          <p:cNvPr id="2" name="Title 1"/>
+          <p:cNvSpPr>
+            <a:spLocks noGrp="1"/>
+          </p:cNvSpPr>
+          <p:nvPr>
+            <p:ph type="title"/>
+          </p:nvPr>
+        </p:nvSpPr>
+        <p:spPr/>
+        <p:txBody>
+          <a:bodyPr/>
+          <a:lstStyle/>
+          <a:p>
+            <a:r>
+              <a:rPr lang="en-US" dirty="0" smtClean="0"/>
+              <a:t>Operator</a:t>
+            </a:r>
+            <a:endParaRPr lang="en-US" dirty="0"/>
+          </a:p>
+        </p:txBody>
+      </p:sp>
+      <p:sp>
+        <p:nvSpPr>
+          <p:cNvPr id="3" name="Content Placeholder 2"/>
+          <p:cNvSpPr>
+            <a:spLocks noGrp="1"/>
+          </p:cNvSpPr>
+          <p:nvPr>
+            <p:ph sz="half" idx="1"/>
+          </p:nvPr>
+        </p:nvSpPr>
+        <p:spPr/>
+        <p:txBody>
+          <a:bodyPr/>
+          <a:lstStyle/>
+          <a:p>
+            <a:r>
+              <a:rPr lang="en-US" dirty="0" smtClean="0"/>
+              <a:t>Operator </a:t>
+            </a:r>
+            <a:r>
+              <a:rPr lang="en-US" dirty="0" err="1" smtClean="0"/>
+              <a:t>Aritmatika</a:t>
+            </a:r>
+            <a:endParaRPr lang="en-US" dirty="0" smtClean="0"/>
+          </a:p>
+          <a:p>
+            <a:pPr lvl="1"/>
+            <a:r>
+              <a:rPr lang="en-US" dirty="0" err="1" smtClean="0"/>
+              <a:t>Penjumlahan</a:t>
+            </a:r>
+            <a:endParaRPr lang="en-US" dirty="0" smtClean="0"/>
+          </a:p>
+          <a:p>
+            <a:pPr lvl="1"/>
+            <a:r>
+              <a:rPr lang="en-US" dirty="0" err="1" smtClean="0"/>
+              <a:t>Pengurangan</a:t>
+            </a:r>
+            <a:endParaRPr lang="en-US" dirty="0" smtClean="0"/>
+          </a:p>
+          <a:p>
+            <a:pPr lvl="1"/>
+            <a:r>
+              <a:rPr lang="en-US" dirty="0" err="1" smtClean="0"/>
+              <a:t>Perkalian</a:t>
+            </a:r>
+            <a:endParaRPr lang="en-US" dirty="0" smtClean="0"/>
+          </a:p>
+          <a:p>
+            <a:pPr lvl="1"/>
+            <a:r>
+              <a:rPr lang="en-US" dirty="0" err="1" smtClean="0"/>
+              <a:t>Pembagian</a:t>
+            </a:r>
+            <a:endParaRPr lang="en-US" dirty="0" smtClean="0"/>
+          </a:p>
+          <a:p>
+            <a:pPr lvl="1"/>
+            <a:r>
+              <a:rPr lang="en-US" dirty="0" err="1" smtClean="0"/>
+              <a:t>Sisa</a:t>
+            </a:r>
+            <a:r>
+              <a:rPr lang="en-US" dirty="0" smtClean="0"/>
+              <a:t> </a:t>
+            </a:r>
+            <a:r>
+              <a:rPr lang="en-US" dirty="0" err="1" smtClean="0"/>
+              <a:t>hasil</a:t>
+            </a:r>
+            <a:r>
+              <a:rPr lang="en-US" dirty="0" smtClean="0"/>
+              <a:t> </a:t>
+            </a:r>
+            <a:r>
+              <a:rPr lang="en-US" dirty="0" err="1" smtClean="0"/>
+              <a:t>bagi</a:t>
+            </a:r>
+            <a:endParaRPr lang="en-US" dirty="0" smtClean="0"/>
+          </a:p>
+          <a:p>
+            <a:pPr lvl="1"/>
+            <a:r>
+              <a:rPr lang="en-US" dirty="0" err="1" smtClean="0"/>
+              <a:t>Pangkat</a:t>
+            </a:r>
+            <a:endParaRPr lang="en-US" dirty="0" smtClean="0"/>
+          </a:p>
+          <a:p>
+            <a:pPr lvl="1"/>
+            <a:r>
+              <a:rPr lang="en-US" dirty="0" smtClean="0"/>
+              <a:t>Floor</a:t>
+            </a:r>
+          </a:p>
+          <a:p>
+            <a:endParaRPr lang="en-US" dirty="0"/>
+          </a:p>
+          <a:p>
+            <a:endParaRPr lang="en-US" dirty="0"/>
+          </a:p>
+        </p:txBody>
+      </p:sp>
+      <p:sp>
+        <p:nvSpPr>
+          <p:cNvPr id="5" name="Content Placeholder 4"/>
+          <p:cNvSpPr>
+            <a:spLocks noGrp="1"/>
+          </p:cNvSpPr>
+          <p:nvPr>
+            <p:ph sz="half" idx="2"/>
+          </p:nvPr>
+        </p:nvSpPr>
+        <p:spPr/>
+        <p:txBody>
+          <a:bodyPr/>
+          <a:lstStyle/>
+          <a:p>
+            <a:endParaRPr lang="en-US"/>
+          </a:p>
+        </p:txBody>
+      </p:sp>
+      <p:pic>
+        <p:nvPicPr>
+          <p:cNvPr id="3074" name="Picture 2"/>
+          <p:cNvPicPr>
+            <a:picLocks noChangeAspect="1" noChangeArrowheads="1"/>
+          </p:cNvPicPr>
+          <p:nvPr/>
+        </p:nvPicPr>
+        <p:blipFill rotWithShape="1">
+          <a:blip r:embed="rId2">
+            <a:extLst>
+              <a:ext uri="{28A0092B-C50C-407E-A947-70E740481C1C}">
+                <a14:useLocalDpi xmlns:a14="http://schemas.microsoft.com/office/drawing/2010/main" val="0"/>
+              </a:ext>
+            </a:extLst>
+          </a:blip>
+          <a:srcRect b="30738"/>
+          <a:stretch/>
+        </p:blipFill>
+        <p:spPr bwMode="auto">
+          <a:xfrm>
+            <a:off x="4876800" y="2438400"/>
+            <a:ext cx="1981200" cy="3295650"/>
+          </a:xfrm>
+          <a:prstGeom prst="rect">
+            <a:avLst/>
+          </a:prstGeom>
+          <a:noFill/>
+          <a:ln>
+            <a:noFill/>
+          </a:ln>
+          <a:effectLst/>
+          <a:extLst>
+            <a:ext uri="{909E8E84-426E-40DD-AFC4-6F175D3DCCD1}">
+              <a14:hiddenFill xmlns:a14="http://schemas.microsoft.com/office/drawing/2010/main">
+                <a:solidFill>
+                  <a:schemeClr val="accent1"/>
+                </a:solidFill>
+              </a14:hiddenFill>
+            </a:ext>
+            <a:ext uri="{91240B29-F687-4F45-9708-019B960494DF}">
+              <a14:hiddenLine xmlns:a14="http://schemas.microsoft.com/office/drawing/2010/main" w="9525">
+                <a:solidFill>
+                  <a:schemeClr val="tx1"/>
+                </a:solidFill>
+                <a:miter lim="800000"/>
+                <a:headEnd/>
+                <a:tailEnd/>
+              </a14:hiddenLine>
+            </a:ext>
+            <a:ext uri="{AF507438-7753-43E0-B8FC-AC1667EBCBE1}">
+              <a14:hiddenEffects xmlns:a14="http://schemas.microsoft.com/office/drawing/2010/main">
+                <a:effectLst>
+                  <a:outerShdw dist="35921" dir="2700000" algn="ctr" rotWithShape="0">
+                    <a:schemeClr val="bg2"/>
+                  </a:outerShdw>
+                </a:effectLst>
+              </a14:hiddenEffects>
+            </a:ext>
+          </a:extLst>
+        </p:spPr>
+      </p:pic>
+    </p:spTree>
+    <p:extLst>
+      <p:ext uri="{BB962C8B-B14F-4D97-AF65-F5344CB8AC3E}">
+        <p14:creationId xmlns:p14="http://schemas.microsoft.com/office/powerpoint/2010/main" val="2897731188"/>
       </p:ext>
     </p:extLst>
   </p:cSld>
@@ -6108,6 +7234,2068 @@
     <p:extLst>
       <p:ext uri="{BB962C8B-B14F-4D97-AF65-F5344CB8AC3E}">
         <p14:creationId xmlns:p14="http://schemas.microsoft.com/office/powerpoint/2010/main" val="862483484"/>
+      </p:ext>
+    </p:extLst>
+  </p:cSld>
+  <p:clrMapOvr>
+    <a:masterClrMapping/>
+  </p:clrMapOvr>
+  <p:timing>
+    <p:tnLst>
+      <p:par>
+        <p:cTn id="1" dur="indefinite" restart="never" nodeType="tmRoot"/>
+      </p:par>
+    </p:tnLst>
+  </p:timing>
+</p:sld>
+</file>
+
+<file path=ppt/slides/slide20.xml><?xml version="1.0" encoding="utf-8"?>
+<p:sld xmlns:a="http://schemas.openxmlformats.org/drawingml/2006/main" xmlns:r="http://schemas.openxmlformats.org/officeDocument/2006/relationships" xmlns:p="http://schemas.openxmlformats.org/presentationml/2006/main">
+  <p:cSld>
+    <p:spTree>
+      <p:nvGrpSpPr>
+        <p:cNvPr id="1" name=""/>
+        <p:cNvGrpSpPr/>
+        <p:nvPr/>
+      </p:nvGrpSpPr>
+      <p:grpSpPr>
+        <a:xfrm>
+          <a:off x="0" y="0"/>
+          <a:ext cx="0" cy="0"/>
+          <a:chOff x="0" y="0"/>
+          <a:chExt cx="0" cy="0"/>
+        </a:xfrm>
+      </p:grpSpPr>
+      <p:sp>
+        <p:nvSpPr>
+          <p:cNvPr id="2" name="Title 1"/>
+          <p:cNvSpPr>
+            <a:spLocks noGrp="1"/>
+          </p:cNvSpPr>
+          <p:nvPr>
+            <p:ph type="title"/>
+          </p:nvPr>
+        </p:nvSpPr>
+        <p:spPr/>
+        <p:txBody>
+          <a:bodyPr/>
+          <a:lstStyle/>
+          <a:p>
+            <a:r>
+              <a:rPr lang="en-US" dirty="0" smtClean="0"/>
+              <a:t>Operator</a:t>
+            </a:r>
+            <a:endParaRPr lang="en-US" dirty="0"/>
+          </a:p>
+        </p:txBody>
+      </p:sp>
+      <p:sp>
+        <p:nvSpPr>
+          <p:cNvPr id="3" name="Content Placeholder 2"/>
+          <p:cNvSpPr>
+            <a:spLocks noGrp="1"/>
+          </p:cNvSpPr>
+          <p:nvPr>
+            <p:ph sz="half" idx="1"/>
+          </p:nvPr>
+        </p:nvSpPr>
+        <p:spPr/>
+        <p:txBody>
+          <a:bodyPr/>
+          <a:lstStyle/>
+          <a:p>
+            <a:r>
+              <a:rPr lang="en-US" dirty="0"/>
+              <a:t>Operator </a:t>
+            </a:r>
+            <a:r>
+              <a:rPr lang="en-US" dirty="0" err="1" smtClean="0"/>
+              <a:t>perbandingan</a:t>
+            </a:r>
+            <a:endParaRPr lang="en-US" dirty="0" smtClean="0"/>
+          </a:p>
+          <a:p>
+            <a:pPr lvl="1"/>
+            <a:r>
+              <a:rPr lang="en-US" dirty="0" err="1" smtClean="0"/>
+              <a:t>Sama</a:t>
+            </a:r>
+            <a:r>
+              <a:rPr lang="en-US" dirty="0" smtClean="0"/>
+              <a:t> </a:t>
+            </a:r>
+            <a:r>
+              <a:rPr lang="en-US" dirty="0" err="1" smtClean="0"/>
+              <a:t>dengan</a:t>
+            </a:r>
+            <a:r>
+              <a:rPr lang="en-US" dirty="0" smtClean="0"/>
+              <a:t> ( == )</a:t>
+            </a:r>
+          </a:p>
+          <a:p>
+            <a:pPr lvl="1"/>
+            <a:r>
+              <a:rPr lang="en-US" dirty="0" err="1" smtClean="0"/>
+              <a:t>Tidak</a:t>
+            </a:r>
+            <a:r>
+              <a:rPr lang="en-US" dirty="0" smtClean="0"/>
+              <a:t> </a:t>
+            </a:r>
+            <a:r>
+              <a:rPr lang="en-US" dirty="0" err="1" smtClean="0"/>
+              <a:t>sama</a:t>
+            </a:r>
+            <a:r>
+              <a:rPr lang="en-US" dirty="0" smtClean="0"/>
+              <a:t> </a:t>
+            </a:r>
+            <a:r>
+              <a:rPr lang="en-US" dirty="0" err="1" smtClean="0"/>
+              <a:t>dengan</a:t>
+            </a:r>
+            <a:r>
+              <a:rPr lang="en-US" dirty="0" smtClean="0"/>
+              <a:t> (!=)</a:t>
+            </a:r>
+          </a:p>
+          <a:p>
+            <a:pPr lvl="1"/>
+            <a:r>
+              <a:rPr lang="en-US" dirty="0" err="1" smtClean="0"/>
+              <a:t>Lebih</a:t>
+            </a:r>
+            <a:r>
+              <a:rPr lang="en-US" dirty="0" smtClean="0"/>
+              <a:t> </a:t>
+            </a:r>
+            <a:r>
+              <a:rPr lang="en-US" dirty="0" err="1" smtClean="0"/>
+              <a:t>besar</a:t>
+            </a:r>
+            <a:r>
+              <a:rPr lang="en-US" dirty="0" smtClean="0"/>
+              <a:t> </a:t>
+            </a:r>
+            <a:r>
+              <a:rPr lang="en-US" dirty="0" err="1" smtClean="0"/>
+              <a:t>dari</a:t>
+            </a:r>
+            <a:r>
+              <a:rPr lang="en-US" dirty="0" smtClean="0"/>
+              <a:t> (&gt;)</a:t>
+            </a:r>
+          </a:p>
+          <a:p>
+            <a:pPr lvl="1"/>
+            <a:r>
+              <a:rPr lang="en-US" dirty="0" err="1" smtClean="0"/>
+              <a:t>Lebih</a:t>
+            </a:r>
+            <a:r>
+              <a:rPr lang="en-US" dirty="0" smtClean="0"/>
+              <a:t> </a:t>
+            </a:r>
+            <a:r>
+              <a:rPr lang="en-US" dirty="0" err="1" smtClean="0"/>
+              <a:t>kecil</a:t>
+            </a:r>
+            <a:r>
+              <a:rPr lang="en-US" dirty="0" smtClean="0"/>
+              <a:t> </a:t>
+            </a:r>
+            <a:r>
+              <a:rPr lang="en-US" dirty="0" err="1" smtClean="0"/>
+              <a:t>dari</a:t>
+            </a:r>
+            <a:r>
+              <a:rPr lang="en-US" dirty="0" smtClean="0"/>
+              <a:t> (&lt;)</a:t>
+            </a:r>
+          </a:p>
+          <a:p>
+            <a:pPr lvl="1"/>
+            <a:r>
+              <a:rPr lang="en-US" dirty="0" err="1" smtClean="0"/>
+              <a:t>Lebih</a:t>
+            </a:r>
+            <a:r>
+              <a:rPr lang="en-US" dirty="0" smtClean="0"/>
+              <a:t> </a:t>
+            </a:r>
+            <a:r>
+              <a:rPr lang="en-US" dirty="0" err="1" smtClean="0"/>
+              <a:t>besar</a:t>
+            </a:r>
+            <a:r>
+              <a:rPr lang="en-US" dirty="0" smtClean="0"/>
+              <a:t> </a:t>
+            </a:r>
+            <a:r>
+              <a:rPr lang="en-US" dirty="0" err="1" smtClean="0"/>
+              <a:t>sama</a:t>
+            </a:r>
+            <a:r>
+              <a:rPr lang="en-US" dirty="0" smtClean="0"/>
+              <a:t> </a:t>
+            </a:r>
+            <a:r>
+              <a:rPr lang="en-US" dirty="0" err="1" smtClean="0"/>
+              <a:t>dengan</a:t>
+            </a:r>
+            <a:r>
+              <a:rPr lang="en-US" dirty="0" smtClean="0"/>
+              <a:t> (&gt;=)</a:t>
+            </a:r>
+          </a:p>
+          <a:p>
+            <a:pPr lvl="1"/>
+            <a:r>
+              <a:rPr lang="en-US" dirty="0" err="1" smtClean="0"/>
+              <a:t>Lebih</a:t>
+            </a:r>
+            <a:r>
+              <a:rPr lang="en-US" dirty="0" smtClean="0"/>
+              <a:t> </a:t>
+            </a:r>
+            <a:r>
+              <a:rPr lang="en-US" dirty="0" err="1" smtClean="0"/>
+              <a:t>kecil</a:t>
+            </a:r>
+            <a:r>
+              <a:rPr lang="en-US" dirty="0" smtClean="0"/>
+              <a:t> </a:t>
+            </a:r>
+            <a:r>
+              <a:rPr lang="en-US" dirty="0" err="1" smtClean="0"/>
+              <a:t>sama</a:t>
+            </a:r>
+            <a:r>
+              <a:rPr lang="en-US" dirty="0" smtClean="0"/>
+              <a:t> </a:t>
+            </a:r>
+            <a:r>
+              <a:rPr lang="en-US" dirty="0" err="1" smtClean="0"/>
+              <a:t>dengan</a:t>
+            </a:r>
+            <a:r>
+              <a:rPr lang="en-US" dirty="0" smtClean="0"/>
+              <a:t> (&lt;=)</a:t>
+            </a:r>
+            <a:endParaRPr lang="en-US" dirty="0"/>
+          </a:p>
+        </p:txBody>
+      </p:sp>
+      <p:sp>
+        <p:nvSpPr>
+          <p:cNvPr id="4" name="Content Placeholder 3"/>
+          <p:cNvSpPr>
+            <a:spLocks noGrp="1"/>
+          </p:cNvSpPr>
+          <p:nvPr>
+            <p:ph sz="half" idx="2"/>
+          </p:nvPr>
+        </p:nvSpPr>
+        <p:spPr/>
+        <p:txBody>
+          <a:bodyPr/>
+          <a:lstStyle/>
+          <a:p>
+            <a:endParaRPr lang="en-US"/>
+          </a:p>
+        </p:txBody>
+      </p:sp>
+      <p:pic>
+        <p:nvPicPr>
+          <p:cNvPr id="4099" name="Picture 3"/>
+          <p:cNvPicPr>
+            <a:picLocks noChangeAspect="1" noChangeArrowheads="1"/>
+          </p:cNvPicPr>
+          <p:nvPr/>
+        </p:nvPicPr>
+        <p:blipFill>
+          <a:blip r:embed="rId2">
+            <a:extLst>
+              <a:ext uri="{28A0092B-C50C-407E-A947-70E740481C1C}">
+                <a14:useLocalDpi xmlns:a14="http://schemas.microsoft.com/office/drawing/2010/main" val="0"/>
+              </a:ext>
+            </a:extLst>
+          </a:blip>
+          <a:srcRect/>
+          <a:stretch>
+            <a:fillRect/>
+          </a:stretch>
+        </p:blipFill>
+        <p:spPr bwMode="auto">
+          <a:xfrm>
+            <a:off x="4800600" y="1219200"/>
+            <a:ext cx="2207812" cy="5181600"/>
+          </a:xfrm>
+          <a:prstGeom prst="rect">
+            <a:avLst/>
+          </a:prstGeom>
+          <a:noFill/>
+          <a:ln>
+            <a:noFill/>
+          </a:ln>
+          <a:effectLst/>
+          <a:extLst>
+            <a:ext uri="{909E8E84-426E-40DD-AFC4-6F175D3DCCD1}">
+              <a14:hiddenFill xmlns:a14="http://schemas.microsoft.com/office/drawing/2010/main">
+                <a:solidFill>
+                  <a:schemeClr val="accent1"/>
+                </a:solidFill>
+              </a14:hiddenFill>
+            </a:ext>
+            <a:ext uri="{91240B29-F687-4F45-9708-019B960494DF}">
+              <a14:hiddenLine xmlns:a14="http://schemas.microsoft.com/office/drawing/2010/main" w="9525">
+                <a:solidFill>
+                  <a:schemeClr val="tx1"/>
+                </a:solidFill>
+                <a:miter lim="800000"/>
+                <a:headEnd/>
+                <a:tailEnd/>
+              </a14:hiddenLine>
+            </a:ext>
+            <a:ext uri="{AF507438-7753-43E0-B8FC-AC1667EBCBE1}">
+              <a14:hiddenEffects xmlns:a14="http://schemas.microsoft.com/office/drawing/2010/main">
+                <a:effectLst>
+                  <a:outerShdw dist="35921" dir="2700000" algn="ctr" rotWithShape="0">
+                    <a:schemeClr val="bg2"/>
+                  </a:outerShdw>
+                </a:effectLst>
+              </a14:hiddenEffects>
+            </a:ext>
+          </a:extLst>
+        </p:spPr>
+      </p:pic>
+    </p:spTree>
+    <p:extLst>
+      <p:ext uri="{BB962C8B-B14F-4D97-AF65-F5344CB8AC3E}">
+        <p14:creationId xmlns:p14="http://schemas.microsoft.com/office/powerpoint/2010/main" val="3313950378"/>
+      </p:ext>
+    </p:extLst>
+  </p:cSld>
+  <p:clrMapOvr>
+    <a:masterClrMapping/>
+  </p:clrMapOvr>
+  <p:timing>
+    <p:tnLst>
+      <p:par>
+        <p:cTn id="1" dur="indefinite" restart="never" nodeType="tmRoot"/>
+      </p:par>
+    </p:tnLst>
+  </p:timing>
+</p:sld>
+</file>
+
+<file path=ppt/slides/slide21.xml><?xml version="1.0" encoding="utf-8"?>
+<p:sld xmlns:a="http://schemas.openxmlformats.org/drawingml/2006/main" xmlns:r="http://schemas.openxmlformats.org/officeDocument/2006/relationships" xmlns:p="http://schemas.openxmlformats.org/presentationml/2006/main">
+  <p:cSld>
+    <p:spTree>
+      <p:nvGrpSpPr>
+        <p:cNvPr id="1" name=""/>
+        <p:cNvGrpSpPr/>
+        <p:nvPr/>
+      </p:nvGrpSpPr>
+      <p:grpSpPr>
+        <a:xfrm>
+          <a:off x="0" y="0"/>
+          <a:ext cx="0" cy="0"/>
+          <a:chOff x="0" y="0"/>
+          <a:chExt cx="0" cy="0"/>
+        </a:xfrm>
+      </p:grpSpPr>
+      <p:sp>
+        <p:nvSpPr>
+          <p:cNvPr id="2" name="Title 1"/>
+          <p:cNvSpPr>
+            <a:spLocks noGrp="1"/>
+          </p:cNvSpPr>
+          <p:nvPr>
+            <p:ph type="title"/>
+          </p:nvPr>
+        </p:nvSpPr>
+        <p:spPr/>
+        <p:txBody>
+          <a:bodyPr/>
+          <a:lstStyle/>
+          <a:p>
+            <a:r>
+              <a:rPr lang="en-US" dirty="0"/>
+              <a:t>Operator</a:t>
+            </a:r>
+          </a:p>
+        </p:txBody>
+      </p:sp>
+      <p:sp>
+        <p:nvSpPr>
+          <p:cNvPr id="3" name="Content Placeholder 2"/>
+          <p:cNvSpPr>
+            <a:spLocks noGrp="1"/>
+          </p:cNvSpPr>
+          <p:nvPr>
+            <p:ph sz="half" idx="1"/>
+          </p:nvPr>
+        </p:nvSpPr>
+        <p:spPr/>
+        <p:txBody>
+          <a:bodyPr/>
+          <a:lstStyle/>
+          <a:p>
+            <a:r>
+              <a:rPr lang="en-US" dirty="0"/>
+              <a:t>Operator </a:t>
+            </a:r>
+            <a:r>
+              <a:rPr lang="en-US" dirty="0" err="1" smtClean="0"/>
+              <a:t>Penugasan</a:t>
+            </a:r>
+            <a:endParaRPr lang="en-US" dirty="0" smtClean="0"/>
+          </a:p>
+          <a:p>
+            <a:pPr lvl="1"/>
+            <a:r>
+              <a:rPr lang="en-US" dirty="0" smtClean="0"/>
+              <a:t>(=) </a:t>
+            </a:r>
+          </a:p>
+          <a:p>
+            <a:pPr lvl="1"/>
+            <a:r>
+              <a:rPr lang="en-US" dirty="0" smtClean="0"/>
+              <a:t>(+=) </a:t>
+            </a:r>
+          </a:p>
+          <a:p>
+            <a:pPr lvl="1"/>
+            <a:r>
+              <a:rPr lang="en-US" dirty="0" smtClean="0"/>
+              <a:t>(-=)</a:t>
+            </a:r>
+          </a:p>
+          <a:p>
+            <a:pPr lvl="1"/>
+            <a:r>
+              <a:rPr lang="en-US" dirty="0" smtClean="0"/>
+              <a:t>(*=)</a:t>
+            </a:r>
+          </a:p>
+          <a:p>
+            <a:pPr lvl="1"/>
+            <a:r>
+              <a:rPr lang="en-US" dirty="0" smtClean="0"/>
+              <a:t>(/=)</a:t>
+            </a:r>
+          </a:p>
+          <a:p>
+            <a:pPr lvl="1"/>
+            <a:r>
+              <a:rPr lang="en-US" dirty="0" smtClean="0"/>
+              <a:t>(**=)</a:t>
+            </a:r>
+          </a:p>
+          <a:p>
+            <a:pPr lvl="1"/>
+            <a:r>
+              <a:rPr lang="en-US" dirty="0" smtClean="0"/>
+              <a:t>(//=)</a:t>
+            </a:r>
+            <a:endParaRPr lang="en-US" dirty="0"/>
+          </a:p>
+          <a:p>
+            <a:endParaRPr lang="en-US" dirty="0"/>
+          </a:p>
+        </p:txBody>
+      </p:sp>
+      <p:sp>
+        <p:nvSpPr>
+          <p:cNvPr id="4" name="Content Placeholder 3"/>
+          <p:cNvSpPr>
+            <a:spLocks noGrp="1"/>
+          </p:cNvSpPr>
+          <p:nvPr>
+            <p:ph sz="half" idx="2"/>
+          </p:nvPr>
+        </p:nvSpPr>
+        <p:spPr/>
+        <p:txBody>
+          <a:bodyPr/>
+          <a:lstStyle/>
+          <a:p>
+            <a:endParaRPr lang="en-US" dirty="0"/>
+          </a:p>
+        </p:txBody>
+      </p:sp>
+      <p:pic>
+        <p:nvPicPr>
+          <p:cNvPr id="5122" name="Picture 2"/>
+          <p:cNvPicPr>
+            <a:picLocks noChangeAspect="1" noChangeArrowheads="1"/>
+          </p:cNvPicPr>
+          <p:nvPr/>
+        </p:nvPicPr>
+        <p:blipFill>
+          <a:blip r:embed="rId2">
+            <a:extLst>
+              <a:ext uri="{28A0092B-C50C-407E-A947-70E740481C1C}">
+                <a14:useLocalDpi xmlns:a14="http://schemas.microsoft.com/office/drawing/2010/main" val="0"/>
+              </a:ext>
+            </a:extLst>
+          </a:blip>
+          <a:srcRect/>
+          <a:stretch>
+            <a:fillRect/>
+          </a:stretch>
+        </p:blipFill>
+        <p:spPr bwMode="auto">
+          <a:xfrm>
+            <a:off x="4552949" y="838200"/>
+            <a:ext cx="1752600" cy="3638873"/>
+          </a:xfrm>
+          <a:prstGeom prst="rect">
+            <a:avLst/>
+          </a:prstGeom>
+          <a:noFill/>
+          <a:ln>
+            <a:noFill/>
+          </a:ln>
+          <a:effectLst/>
+          <a:extLst>
+            <a:ext uri="{909E8E84-426E-40DD-AFC4-6F175D3DCCD1}">
+              <a14:hiddenFill xmlns:a14="http://schemas.microsoft.com/office/drawing/2010/main">
+                <a:solidFill>
+                  <a:schemeClr val="accent1"/>
+                </a:solidFill>
+              </a14:hiddenFill>
+            </a:ext>
+            <a:ext uri="{91240B29-F687-4F45-9708-019B960494DF}">
+              <a14:hiddenLine xmlns:a14="http://schemas.microsoft.com/office/drawing/2010/main" w="9525">
+                <a:solidFill>
+                  <a:schemeClr val="tx1"/>
+                </a:solidFill>
+                <a:miter lim="800000"/>
+                <a:headEnd/>
+                <a:tailEnd/>
+              </a14:hiddenLine>
+            </a:ext>
+            <a:ext uri="{AF507438-7753-43E0-B8FC-AC1667EBCBE1}">
+              <a14:hiddenEffects xmlns:a14="http://schemas.microsoft.com/office/drawing/2010/main">
+                <a:effectLst>
+                  <a:outerShdw dist="35921" dir="2700000" algn="ctr" rotWithShape="0">
+                    <a:schemeClr val="bg2"/>
+                  </a:outerShdw>
+                </a:effectLst>
+              </a14:hiddenEffects>
+            </a:ext>
+          </a:extLst>
+        </p:spPr>
+      </p:pic>
+      <p:pic>
+        <p:nvPicPr>
+          <p:cNvPr id="5123" name="Picture 3"/>
+          <p:cNvPicPr>
+            <a:picLocks noChangeAspect="1" noChangeArrowheads="1"/>
+          </p:cNvPicPr>
+          <p:nvPr/>
+        </p:nvPicPr>
+        <p:blipFill>
+          <a:blip r:embed="rId3">
+            <a:extLst>
+              <a:ext uri="{28A0092B-C50C-407E-A947-70E740481C1C}">
+                <a14:useLocalDpi xmlns:a14="http://schemas.microsoft.com/office/drawing/2010/main" val="0"/>
+              </a:ext>
+            </a:extLst>
+          </a:blip>
+          <a:srcRect/>
+          <a:stretch>
+            <a:fillRect/>
+          </a:stretch>
+        </p:blipFill>
+        <p:spPr bwMode="auto">
+          <a:xfrm>
+            <a:off x="4552949" y="4417233"/>
+            <a:ext cx="1532753" cy="2181225"/>
+          </a:xfrm>
+          <a:prstGeom prst="rect">
+            <a:avLst/>
+          </a:prstGeom>
+          <a:noFill/>
+          <a:ln>
+            <a:noFill/>
+          </a:ln>
+          <a:effectLst/>
+          <a:extLst>
+            <a:ext uri="{909E8E84-426E-40DD-AFC4-6F175D3DCCD1}">
+              <a14:hiddenFill xmlns:a14="http://schemas.microsoft.com/office/drawing/2010/main">
+                <a:solidFill>
+                  <a:schemeClr val="accent1"/>
+                </a:solidFill>
+              </a14:hiddenFill>
+            </a:ext>
+            <a:ext uri="{91240B29-F687-4F45-9708-019B960494DF}">
+              <a14:hiddenLine xmlns:a14="http://schemas.microsoft.com/office/drawing/2010/main" w="9525">
+                <a:solidFill>
+                  <a:schemeClr val="tx1"/>
+                </a:solidFill>
+                <a:miter lim="800000"/>
+                <a:headEnd/>
+                <a:tailEnd/>
+              </a14:hiddenLine>
+            </a:ext>
+            <a:ext uri="{AF507438-7753-43E0-B8FC-AC1667EBCBE1}">
+              <a14:hiddenEffects xmlns:a14="http://schemas.microsoft.com/office/drawing/2010/main">
+                <a:effectLst>
+                  <a:outerShdw dist="35921" dir="2700000" algn="ctr" rotWithShape="0">
+                    <a:schemeClr val="bg2"/>
+                  </a:outerShdw>
+                </a:effectLst>
+              </a14:hiddenEffects>
+            </a:ext>
+          </a:extLst>
+        </p:spPr>
+      </p:pic>
+      <p:pic>
+        <p:nvPicPr>
+          <p:cNvPr id="5124" name="Picture 4"/>
+          <p:cNvPicPr>
+            <a:picLocks noChangeAspect="1" noChangeArrowheads="1"/>
+          </p:cNvPicPr>
+          <p:nvPr/>
+        </p:nvPicPr>
+        <p:blipFill>
+          <a:blip r:embed="rId4">
+            <a:extLst>
+              <a:ext uri="{28A0092B-C50C-407E-A947-70E740481C1C}">
+                <a14:useLocalDpi xmlns:a14="http://schemas.microsoft.com/office/drawing/2010/main" val="0"/>
+              </a:ext>
+            </a:extLst>
+          </a:blip>
+          <a:srcRect/>
+          <a:stretch>
+            <a:fillRect/>
+          </a:stretch>
+        </p:blipFill>
+        <p:spPr bwMode="auto">
+          <a:xfrm>
+            <a:off x="6705600" y="838200"/>
+            <a:ext cx="1905000" cy="1661503"/>
+          </a:xfrm>
+          <a:prstGeom prst="rect">
+            <a:avLst/>
+          </a:prstGeom>
+          <a:noFill/>
+          <a:ln>
+            <a:noFill/>
+          </a:ln>
+          <a:effectLst/>
+          <a:extLst>
+            <a:ext uri="{909E8E84-426E-40DD-AFC4-6F175D3DCCD1}">
+              <a14:hiddenFill xmlns:a14="http://schemas.microsoft.com/office/drawing/2010/main">
+                <a:solidFill>
+                  <a:schemeClr val="accent1"/>
+                </a:solidFill>
+              </a14:hiddenFill>
+            </a:ext>
+            <a:ext uri="{91240B29-F687-4F45-9708-019B960494DF}">
+              <a14:hiddenLine xmlns:a14="http://schemas.microsoft.com/office/drawing/2010/main" w="9525">
+                <a:solidFill>
+                  <a:schemeClr val="tx1"/>
+                </a:solidFill>
+                <a:miter lim="800000"/>
+                <a:headEnd/>
+                <a:tailEnd/>
+              </a14:hiddenLine>
+            </a:ext>
+            <a:ext uri="{AF507438-7753-43E0-B8FC-AC1667EBCBE1}">
+              <a14:hiddenEffects xmlns:a14="http://schemas.microsoft.com/office/drawing/2010/main">
+                <a:effectLst>
+                  <a:outerShdw dist="35921" dir="2700000" algn="ctr" rotWithShape="0">
+                    <a:schemeClr val="bg2"/>
+                  </a:outerShdw>
+                </a:effectLst>
+              </a14:hiddenEffects>
+            </a:ext>
+          </a:extLst>
+        </p:spPr>
+      </p:pic>
+    </p:spTree>
+    <p:extLst>
+      <p:ext uri="{BB962C8B-B14F-4D97-AF65-F5344CB8AC3E}">
+        <p14:creationId xmlns:p14="http://schemas.microsoft.com/office/powerpoint/2010/main" val="1259746112"/>
+      </p:ext>
+    </p:extLst>
+  </p:cSld>
+  <p:clrMapOvr>
+    <a:masterClrMapping/>
+  </p:clrMapOvr>
+  <p:timing>
+    <p:tnLst>
+      <p:par>
+        <p:cTn id="1" dur="indefinite" restart="never" nodeType="tmRoot"/>
+      </p:par>
+    </p:tnLst>
+  </p:timing>
+</p:sld>
+</file>
+
+<file path=ppt/slides/slide22.xml><?xml version="1.0" encoding="utf-8"?>
+<p:sld xmlns:a="http://schemas.openxmlformats.org/drawingml/2006/main" xmlns:r="http://schemas.openxmlformats.org/officeDocument/2006/relationships" xmlns:p="http://schemas.openxmlformats.org/presentationml/2006/main">
+  <p:cSld>
+    <p:spTree>
+      <p:nvGrpSpPr>
+        <p:cNvPr id="1" name=""/>
+        <p:cNvGrpSpPr/>
+        <p:nvPr/>
+      </p:nvGrpSpPr>
+      <p:grpSpPr>
+        <a:xfrm>
+          <a:off x="0" y="0"/>
+          <a:ext cx="0" cy="0"/>
+          <a:chOff x="0" y="0"/>
+          <a:chExt cx="0" cy="0"/>
+        </a:xfrm>
+      </p:grpSpPr>
+      <p:sp>
+        <p:nvSpPr>
+          <p:cNvPr id="2" name="Title 1"/>
+          <p:cNvSpPr>
+            <a:spLocks noGrp="1"/>
+          </p:cNvSpPr>
+          <p:nvPr>
+            <p:ph type="title"/>
+          </p:nvPr>
+        </p:nvSpPr>
+        <p:spPr/>
+        <p:txBody>
+          <a:bodyPr/>
+          <a:lstStyle/>
+          <a:p>
+            <a:r>
+              <a:rPr lang="en-US" dirty="0"/>
+              <a:t>Operator</a:t>
+            </a:r>
+          </a:p>
+        </p:txBody>
+      </p:sp>
+      <p:sp>
+        <p:nvSpPr>
+          <p:cNvPr id="3" name="Content Placeholder 2"/>
+          <p:cNvSpPr>
+            <a:spLocks noGrp="1"/>
+          </p:cNvSpPr>
+          <p:nvPr>
+            <p:ph sz="half" idx="1"/>
+          </p:nvPr>
+        </p:nvSpPr>
+        <p:spPr/>
+        <p:txBody>
+          <a:bodyPr/>
+          <a:lstStyle/>
+          <a:p>
+            <a:r>
+              <a:rPr lang="en-US" dirty="0"/>
+              <a:t>Operator </a:t>
+            </a:r>
+            <a:r>
+              <a:rPr lang="en-US" dirty="0" err="1"/>
+              <a:t>Logika</a:t>
+            </a:r>
+            <a:endParaRPr lang="en-US" dirty="0"/>
+          </a:p>
+          <a:p>
+            <a:pPr lvl="1"/>
+            <a:r>
+              <a:rPr lang="en-US" dirty="0" smtClean="0"/>
+              <a:t>AND</a:t>
+            </a:r>
+          </a:p>
+          <a:p>
+            <a:pPr lvl="1"/>
+            <a:r>
+              <a:rPr lang="en-US" dirty="0" smtClean="0"/>
+              <a:t>OR</a:t>
+            </a:r>
+          </a:p>
+          <a:p>
+            <a:pPr lvl="1"/>
+            <a:r>
+              <a:rPr lang="en-US" dirty="0" smtClean="0"/>
+              <a:t>NOT</a:t>
+            </a:r>
+            <a:endParaRPr lang="en-US" dirty="0"/>
+          </a:p>
+        </p:txBody>
+      </p:sp>
+      <p:sp>
+        <p:nvSpPr>
+          <p:cNvPr id="4" name="Content Placeholder 3"/>
+          <p:cNvSpPr>
+            <a:spLocks noGrp="1"/>
+          </p:cNvSpPr>
+          <p:nvPr>
+            <p:ph sz="half" idx="2"/>
+          </p:nvPr>
+        </p:nvSpPr>
+        <p:spPr/>
+        <p:txBody>
+          <a:bodyPr/>
+          <a:lstStyle/>
+          <a:p>
+            <a:endParaRPr lang="en-US"/>
+          </a:p>
+        </p:txBody>
+      </p:sp>
+      <p:pic>
+        <p:nvPicPr>
+          <p:cNvPr id="7170" name="Picture 2"/>
+          <p:cNvPicPr>
+            <a:picLocks noChangeAspect="1" noChangeArrowheads="1"/>
+          </p:cNvPicPr>
+          <p:nvPr/>
+        </p:nvPicPr>
+        <p:blipFill>
+          <a:blip r:embed="rId2">
+            <a:extLst>
+              <a:ext uri="{28A0092B-C50C-407E-A947-70E740481C1C}">
+                <a14:useLocalDpi xmlns:a14="http://schemas.microsoft.com/office/drawing/2010/main" val="0"/>
+              </a:ext>
+            </a:extLst>
+          </a:blip>
+          <a:srcRect/>
+          <a:stretch>
+            <a:fillRect/>
+          </a:stretch>
+        </p:blipFill>
+        <p:spPr bwMode="auto">
+          <a:xfrm>
+            <a:off x="4591050" y="2028825"/>
+            <a:ext cx="3288096" cy="3381375"/>
+          </a:xfrm>
+          <a:prstGeom prst="rect">
+            <a:avLst/>
+          </a:prstGeom>
+          <a:noFill/>
+          <a:ln>
+            <a:noFill/>
+          </a:ln>
+          <a:effectLst/>
+          <a:extLst>
+            <a:ext uri="{909E8E84-426E-40DD-AFC4-6F175D3DCCD1}">
+              <a14:hiddenFill xmlns:a14="http://schemas.microsoft.com/office/drawing/2010/main">
+                <a:solidFill>
+                  <a:schemeClr val="accent1"/>
+                </a:solidFill>
+              </a14:hiddenFill>
+            </a:ext>
+            <a:ext uri="{91240B29-F687-4F45-9708-019B960494DF}">
+              <a14:hiddenLine xmlns:a14="http://schemas.microsoft.com/office/drawing/2010/main" w="9525">
+                <a:solidFill>
+                  <a:schemeClr val="tx1"/>
+                </a:solidFill>
+                <a:miter lim="800000"/>
+                <a:headEnd/>
+                <a:tailEnd/>
+              </a14:hiddenLine>
+            </a:ext>
+            <a:ext uri="{AF507438-7753-43E0-B8FC-AC1667EBCBE1}">
+              <a14:hiddenEffects xmlns:a14="http://schemas.microsoft.com/office/drawing/2010/main">
+                <a:effectLst>
+                  <a:outerShdw dist="35921" dir="2700000" algn="ctr" rotWithShape="0">
+                    <a:schemeClr val="bg2"/>
+                  </a:outerShdw>
+                </a:effectLst>
+              </a14:hiddenEffects>
+            </a:ext>
+          </a:extLst>
+        </p:spPr>
+      </p:pic>
+    </p:spTree>
+    <p:extLst>
+      <p:ext uri="{BB962C8B-B14F-4D97-AF65-F5344CB8AC3E}">
+        <p14:creationId xmlns:p14="http://schemas.microsoft.com/office/powerpoint/2010/main" val="2949620036"/>
+      </p:ext>
+    </p:extLst>
+  </p:cSld>
+  <p:clrMapOvr>
+    <a:masterClrMapping/>
+  </p:clrMapOvr>
+  <p:timing>
+    <p:tnLst>
+      <p:par>
+        <p:cTn id="1" dur="indefinite" restart="never" nodeType="tmRoot"/>
+      </p:par>
+    </p:tnLst>
+  </p:timing>
+</p:sld>
+</file>
+
+<file path=ppt/slides/slide23.xml><?xml version="1.0" encoding="utf-8"?>
+<p:sld xmlns:a="http://schemas.openxmlformats.org/drawingml/2006/main" xmlns:r="http://schemas.openxmlformats.org/officeDocument/2006/relationships" xmlns:p="http://schemas.openxmlformats.org/presentationml/2006/main">
+  <p:cSld>
+    <p:spTree>
+      <p:nvGrpSpPr>
+        <p:cNvPr id="1" name=""/>
+        <p:cNvGrpSpPr/>
+        <p:nvPr/>
+      </p:nvGrpSpPr>
+      <p:grpSpPr>
+        <a:xfrm>
+          <a:off x="0" y="0"/>
+          <a:ext cx="0" cy="0"/>
+          <a:chOff x="0" y="0"/>
+          <a:chExt cx="0" cy="0"/>
+        </a:xfrm>
+      </p:grpSpPr>
+      <p:sp>
+        <p:nvSpPr>
+          <p:cNvPr id="2" name="Title 1"/>
+          <p:cNvSpPr>
+            <a:spLocks noGrp="1"/>
+          </p:cNvSpPr>
+          <p:nvPr>
+            <p:ph type="title"/>
+          </p:nvPr>
+        </p:nvSpPr>
+        <p:spPr/>
+        <p:txBody>
+          <a:bodyPr/>
+          <a:lstStyle/>
+          <a:p>
+            <a:r>
+              <a:rPr lang="en-US" dirty="0"/>
+              <a:t>Operator</a:t>
+            </a:r>
+          </a:p>
+        </p:txBody>
+      </p:sp>
+      <p:sp>
+        <p:nvSpPr>
+          <p:cNvPr id="3" name="Content Placeholder 2"/>
+          <p:cNvSpPr>
+            <a:spLocks noGrp="1"/>
+          </p:cNvSpPr>
+          <p:nvPr>
+            <p:ph sz="half" idx="1"/>
+          </p:nvPr>
+        </p:nvSpPr>
+        <p:spPr/>
+        <p:txBody>
+          <a:bodyPr/>
+          <a:lstStyle/>
+          <a:p>
+            <a:r>
+              <a:rPr lang="en-US" dirty="0"/>
+              <a:t>Operator </a:t>
+            </a:r>
+            <a:r>
+              <a:rPr lang="en-US" dirty="0" smtClean="0"/>
+              <a:t>Membership</a:t>
+            </a:r>
+          </a:p>
+          <a:p>
+            <a:pPr lvl="1"/>
+            <a:r>
+              <a:rPr lang="en-US" dirty="0" smtClean="0"/>
+              <a:t>In</a:t>
+            </a:r>
+          </a:p>
+          <a:p>
+            <a:pPr lvl="1"/>
+            <a:r>
+              <a:rPr lang="en-US" dirty="0" smtClean="0"/>
+              <a:t>Not in</a:t>
+            </a:r>
+            <a:endParaRPr lang="en-US" dirty="0"/>
+          </a:p>
+          <a:p>
+            <a:endParaRPr lang="en-US" dirty="0"/>
+          </a:p>
+          <a:p>
+            <a:endParaRPr lang="en-US" dirty="0"/>
+          </a:p>
+        </p:txBody>
+      </p:sp>
+      <p:sp>
+        <p:nvSpPr>
+          <p:cNvPr id="4" name="Content Placeholder 3"/>
+          <p:cNvSpPr>
+            <a:spLocks noGrp="1"/>
+          </p:cNvSpPr>
+          <p:nvPr>
+            <p:ph sz="half" idx="2"/>
+          </p:nvPr>
+        </p:nvSpPr>
+        <p:spPr/>
+        <p:txBody>
+          <a:bodyPr/>
+          <a:lstStyle/>
+          <a:p>
+            <a:endParaRPr lang="en-US"/>
+          </a:p>
+        </p:txBody>
+      </p:sp>
+      <p:pic>
+        <p:nvPicPr>
+          <p:cNvPr id="8194" name="Picture 2"/>
+          <p:cNvPicPr>
+            <a:picLocks noChangeAspect="1" noChangeArrowheads="1"/>
+          </p:cNvPicPr>
+          <p:nvPr/>
+        </p:nvPicPr>
+        <p:blipFill>
+          <a:blip r:embed="rId2">
+            <a:extLst>
+              <a:ext uri="{28A0092B-C50C-407E-A947-70E740481C1C}">
+                <a14:useLocalDpi xmlns:a14="http://schemas.microsoft.com/office/drawing/2010/main" val="0"/>
+              </a:ext>
+            </a:extLst>
+          </a:blip>
+          <a:srcRect/>
+          <a:stretch>
+            <a:fillRect/>
+          </a:stretch>
+        </p:blipFill>
+        <p:spPr bwMode="auto">
+          <a:xfrm>
+            <a:off x="4629150" y="1905000"/>
+            <a:ext cx="4069644" cy="1066800"/>
+          </a:xfrm>
+          <a:prstGeom prst="rect">
+            <a:avLst/>
+          </a:prstGeom>
+          <a:noFill/>
+          <a:ln>
+            <a:noFill/>
+          </a:ln>
+          <a:effectLst/>
+          <a:extLst>
+            <a:ext uri="{909E8E84-426E-40DD-AFC4-6F175D3DCCD1}">
+              <a14:hiddenFill xmlns:a14="http://schemas.microsoft.com/office/drawing/2010/main">
+                <a:solidFill>
+                  <a:schemeClr val="accent1"/>
+                </a:solidFill>
+              </a14:hiddenFill>
+            </a:ext>
+            <a:ext uri="{91240B29-F687-4F45-9708-019B960494DF}">
+              <a14:hiddenLine xmlns:a14="http://schemas.microsoft.com/office/drawing/2010/main" w="9525">
+                <a:solidFill>
+                  <a:schemeClr val="tx1"/>
+                </a:solidFill>
+                <a:miter lim="800000"/>
+                <a:headEnd/>
+                <a:tailEnd/>
+              </a14:hiddenLine>
+            </a:ext>
+            <a:ext uri="{AF507438-7753-43E0-B8FC-AC1667EBCBE1}">
+              <a14:hiddenEffects xmlns:a14="http://schemas.microsoft.com/office/drawing/2010/main">
+                <a:effectLst>
+                  <a:outerShdw dist="35921" dir="2700000" algn="ctr" rotWithShape="0">
+                    <a:schemeClr val="bg2"/>
+                  </a:outerShdw>
+                </a:effectLst>
+              </a14:hiddenEffects>
+            </a:ext>
+          </a:extLst>
+        </p:spPr>
+      </p:pic>
+      <p:pic>
+        <p:nvPicPr>
+          <p:cNvPr id="8196" name="Picture 4"/>
+          <p:cNvPicPr>
+            <a:picLocks noChangeAspect="1" noChangeArrowheads="1"/>
+          </p:cNvPicPr>
+          <p:nvPr/>
+        </p:nvPicPr>
+        <p:blipFill>
+          <a:blip r:embed="rId3">
+            <a:extLst>
+              <a:ext uri="{28A0092B-C50C-407E-A947-70E740481C1C}">
+                <a14:useLocalDpi xmlns:a14="http://schemas.microsoft.com/office/drawing/2010/main" val="0"/>
+              </a:ext>
+            </a:extLst>
+          </a:blip>
+          <a:srcRect/>
+          <a:stretch>
+            <a:fillRect/>
+          </a:stretch>
+        </p:blipFill>
+        <p:spPr bwMode="auto">
+          <a:xfrm>
+            <a:off x="4648200" y="3124200"/>
+            <a:ext cx="3630529" cy="2590800"/>
+          </a:xfrm>
+          <a:prstGeom prst="rect">
+            <a:avLst/>
+          </a:prstGeom>
+          <a:noFill/>
+          <a:ln>
+            <a:noFill/>
+          </a:ln>
+          <a:effectLst/>
+          <a:extLst>
+            <a:ext uri="{909E8E84-426E-40DD-AFC4-6F175D3DCCD1}">
+              <a14:hiddenFill xmlns:a14="http://schemas.microsoft.com/office/drawing/2010/main">
+                <a:solidFill>
+                  <a:schemeClr val="accent1"/>
+                </a:solidFill>
+              </a14:hiddenFill>
+            </a:ext>
+            <a:ext uri="{91240B29-F687-4F45-9708-019B960494DF}">
+              <a14:hiddenLine xmlns:a14="http://schemas.microsoft.com/office/drawing/2010/main" w="9525">
+                <a:solidFill>
+                  <a:schemeClr val="tx1"/>
+                </a:solidFill>
+                <a:miter lim="800000"/>
+                <a:headEnd/>
+                <a:tailEnd/>
+              </a14:hiddenLine>
+            </a:ext>
+            <a:ext uri="{AF507438-7753-43E0-B8FC-AC1667EBCBE1}">
+              <a14:hiddenEffects xmlns:a14="http://schemas.microsoft.com/office/drawing/2010/main">
+                <a:effectLst>
+                  <a:outerShdw dist="35921" dir="2700000" algn="ctr" rotWithShape="0">
+                    <a:schemeClr val="bg2"/>
+                  </a:outerShdw>
+                </a:effectLst>
+              </a14:hiddenEffects>
+            </a:ext>
+          </a:extLst>
+        </p:spPr>
+      </p:pic>
+    </p:spTree>
+    <p:extLst>
+      <p:ext uri="{BB962C8B-B14F-4D97-AF65-F5344CB8AC3E}">
+        <p14:creationId xmlns:p14="http://schemas.microsoft.com/office/powerpoint/2010/main" val="4200056282"/>
+      </p:ext>
+    </p:extLst>
+  </p:cSld>
+  <p:clrMapOvr>
+    <a:masterClrMapping/>
+  </p:clrMapOvr>
+  <p:timing>
+    <p:tnLst>
+      <p:par>
+        <p:cTn id="1" dur="indefinite" restart="never" nodeType="tmRoot"/>
+      </p:par>
+    </p:tnLst>
+  </p:timing>
+</p:sld>
+</file>
+
+<file path=ppt/slides/slide24.xml><?xml version="1.0" encoding="utf-8"?>
+<p:sld xmlns:a="http://schemas.openxmlformats.org/drawingml/2006/main" xmlns:r="http://schemas.openxmlformats.org/officeDocument/2006/relationships" xmlns:p="http://schemas.openxmlformats.org/presentationml/2006/main">
+  <p:cSld>
+    <p:spTree>
+      <p:nvGrpSpPr>
+        <p:cNvPr id="1" name=""/>
+        <p:cNvGrpSpPr/>
+        <p:nvPr/>
+      </p:nvGrpSpPr>
+      <p:grpSpPr>
+        <a:xfrm>
+          <a:off x="0" y="0"/>
+          <a:ext cx="0" cy="0"/>
+          <a:chOff x="0" y="0"/>
+          <a:chExt cx="0" cy="0"/>
+        </a:xfrm>
+      </p:grpSpPr>
+      <p:sp>
+        <p:nvSpPr>
+          <p:cNvPr id="2" name="Title 1"/>
+          <p:cNvSpPr>
+            <a:spLocks noGrp="1"/>
+          </p:cNvSpPr>
+          <p:nvPr>
+            <p:ph type="title"/>
+          </p:nvPr>
+        </p:nvSpPr>
+        <p:spPr/>
+        <p:txBody>
+          <a:bodyPr/>
+          <a:lstStyle/>
+          <a:p>
+            <a:r>
+              <a:rPr lang="en-US" dirty="0"/>
+              <a:t>Operator</a:t>
+            </a:r>
+          </a:p>
+        </p:txBody>
+      </p:sp>
+      <p:sp>
+        <p:nvSpPr>
+          <p:cNvPr id="3" name="Content Placeholder 2"/>
+          <p:cNvSpPr>
+            <a:spLocks noGrp="1"/>
+          </p:cNvSpPr>
+          <p:nvPr>
+            <p:ph sz="half" idx="1"/>
+          </p:nvPr>
+        </p:nvSpPr>
+        <p:spPr/>
+        <p:txBody>
+          <a:bodyPr/>
+          <a:lstStyle/>
+          <a:p>
+            <a:r>
+              <a:rPr lang="en-US" dirty="0"/>
+              <a:t>Operator </a:t>
+            </a:r>
+            <a:r>
+              <a:rPr lang="en-US" dirty="0" smtClean="0"/>
+              <a:t>Bitwise</a:t>
+            </a:r>
+          </a:p>
+          <a:p>
+            <a:pPr lvl="1"/>
+            <a:r>
+              <a:rPr lang="en-US" dirty="0" smtClean="0"/>
+              <a:t>Operator yang </a:t>
+            </a:r>
+            <a:r>
+              <a:rPr lang="en-US" dirty="0" err="1" smtClean="0"/>
+              <a:t>bekerja</a:t>
+            </a:r>
+            <a:r>
+              <a:rPr lang="en-US" dirty="0" smtClean="0"/>
+              <a:t> bit per bit.</a:t>
+            </a:r>
+          </a:p>
+          <a:p>
+            <a:pPr lvl="1"/>
+            <a:r>
+              <a:rPr lang="en-US" dirty="0" smtClean="0"/>
+              <a:t>&amp;  (AND)</a:t>
+            </a:r>
+          </a:p>
+          <a:p>
+            <a:pPr lvl="1"/>
+            <a:r>
+              <a:rPr lang="en-US" dirty="0" smtClean="0"/>
+              <a:t>| (OR)</a:t>
+            </a:r>
+          </a:p>
+          <a:p>
+            <a:pPr lvl="1"/>
+            <a:r>
+              <a:rPr lang="en-US" dirty="0" smtClean="0"/>
+              <a:t>^ (XOR)</a:t>
+            </a:r>
+          </a:p>
+          <a:p>
+            <a:pPr lvl="1"/>
+            <a:endParaRPr lang="en-US" dirty="0" smtClean="0"/>
+          </a:p>
+          <a:p>
+            <a:pPr lvl="1"/>
+            <a:r>
+              <a:rPr lang="en-US" dirty="0" smtClean="0"/>
+              <a:t>A = 60 (0011 1100)</a:t>
+            </a:r>
+          </a:p>
+          <a:p>
+            <a:pPr lvl="1"/>
+            <a:r>
+              <a:rPr lang="en-US" dirty="0" smtClean="0"/>
+              <a:t>B = 13 (0000 1101)</a:t>
+            </a:r>
+            <a:endParaRPr lang="en-US" dirty="0"/>
+          </a:p>
+        </p:txBody>
+      </p:sp>
+      <p:sp>
+        <p:nvSpPr>
+          <p:cNvPr id="4" name="Content Placeholder 3"/>
+          <p:cNvSpPr>
+            <a:spLocks noGrp="1"/>
+          </p:cNvSpPr>
+          <p:nvPr>
+            <p:ph sz="half" idx="2"/>
+          </p:nvPr>
+        </p:nvSpPr>
+        <p:spPr/>
+        <p:txBody>
+          <a:bodyPr/>
+          <a:lstStyle/>
+          <a:p>
+            <a:endParaRPr lang="en-US"/>
+          </a:p>
+        </p:txBody>
+      </p:sp>
+      <p:pic>
+        <p:nvPicPr>
+          <p:cNvPr id="6146" name="Picture 2"/>
+          <p:cNvPicPr>
+            <a:picLocks noChangeAspect="1" noChangeArrowheads="1"/>
+          </p:cNvPicPr>
+          <p:nvPr/>
+        </p:nvPicPr>
+        <p:blipFill>
+          <a:blip r:embed="rId2">
+            <a:extLst>
+              <a:ext uri="{28A0092B-C50C-407E-A947-70E740481C1C}">
+                <a14:useLocalDpi xmlns:a14="http://schemas.microsoft.com/office/drawing/2010/main" val="0"/>
+              </a:ext>
+            </a:extLst>
+          </a:blip>
+          <a:srcRect/>
+          <a:stretch>
+            <a:fillRect/>
+          </a:stretch>
+        </p:blipFill>
+        <p:spPr bwMode="auto">
+          <a:xfrm>
+            <a:off x="4724400" y="1943100"/>
+            <a:ext cx="3133725" cy="3467100"/>
+          </a:xfrm>
+          <a:prstGeom prst="rect">
+            <a:avLst/>
+          </a:prstGeom>
+          <a:noFill/>
+          <a:ln>
+            <a:noFill/>
+          </a:ln>
+          <a:effectLst/>
+          <a:extLst>
+            <a:ext uri="{909E8E84-426E-40DD-AFC4-6F175D3DCCD1}">
+              <a14:hiddenFill xmlns:a14="http://schemas.microsoft.com/office/drawing/2010/main">
+                <a:solidFill>
+                  <a:schemeClr val="accent1"/>
+                </a:solidFill>
+              </a14:hiddenFill>
+            </a:ext>
+            <a:ext uri="{91240B29-F687-4F45-9708-019B960494DF}">
+              <a14:hiddenLine xmlns:a14="http://schemas.microsoft.com/office/drawing/2010/main" w="9525">
+                <a:solidFill>
+                  <a:schemeClr val="tx1"/>
+                </a:solidFill>
+                <a:miter lim="800000"/>
+                <a:headEnd/>
+                <a:tailEnd/>
+              </a14:hiddenLine>
+            </a:ext>
+            <a:ext uri="{AF507438-7753-43E0-B8FC-AC1667EBCBE1}">
+              <a14:hiddenEffects xmlns:a14="http://schemas.microsoft.com/office/drawing/2010/main">
+                <a:effectLst>
+                  <a:outerShdw dist="35921" dir="2700000" algn="ctr" rotWithShape="0">
+                    <a:schemeClr val="bg2"/>
+                  </a:outerShdw>
+                </a:effectLst>
+              </a14:hiddenEffects>
+            </a:ext>
+          </a:extLst>
+        </p:spPr>
+      </p:pic>
+    </p:spTree>
+    <p:extLst>
+      <p:ext uri="{BB962C8B-B14F-4D97-AF65-F5344CB8AC3E}">
+        <p14:creationId xmlns:p14="http://schemas.microsoft.com/office/powerpoint/2010/main" val="1925429033"/>
+      </p:ext>
+    </p:extLst>
+  </p:cSld>
+  <p:clrMapOvr>
+    <a:masterClrMapping/>
+  </p:clrMapOvr>
+  <p:timing>
+    <p:tnLst>
+      <p:par>
+        <p:cTn id="1" dur="indefinite" restart="never" nodeType="tmRoot"/>
+      </p:par>
+    </p:tnLst>
+  </p:timing>
+</p:sld>
+</file>
+
+<file path=ppt/slides/slide25.xml><?xml version="1.0" encoding="utf-8"?>
+<p:sld xmlns:a="http://schemas.openxmlformats.org/drawingml/2006/main" xmlns:r="http://schemas.openxmlformats.org/officeDocument/2006/relationships" xmlns:p="http://schemas.openxmlformats.org/presentationml/2006/main">
+  <p:cSld>
+    <p:spTree>
+      <p:nvGrpSpPr>
+        <p:cNvPr id="1" name=""/>
+        <p:cNvGrpSpPr/>
+        <p:nvPr/>
+      </p:nvGrpSpPr>
+      <p:grpSpPr>
+        <a:xfrm>
+          <a:off x="0" y="0"/>
+          <a:ext cx="0" cy="0"/>
+          <a:chOff x="0" y="0"/>
+          <a:chExt cx="0" cy="0"/>
+        </a:xfrm>
+      </p:grpSpPr>
+      <p:sp>
+        <p:nvSpPr>
+          <p:cNvPr id="2" name="Title 1"/>
+          <p:cNvSpPr>
+            <a:spLocks noGrp="1"/>
+          </p:cNvSpPr>
+          <p:nvPr>
+            <p:ph type="title"/>
+          </p:nvPr>
+        </p:nvSpPr>
+        <p:spPr/>
+        <p:txBody>
+          <a:bodyPr/>
+          <a:lstStyle/>
+          <a:p>
+            <a:r>
+              <a:rPr lang="en-US" dirty="0" err="1" smtClean="0"/>
+              <a:t>Percabangan</a:t>
+            </a:r>
+            <a:endParaRPr lang="en-US" dirty="0"/>
+          </a:p>
+        </p:txBody>
+      </p:sp>
+      <p:sp>
+        <p:nvSpPr>
+          <p:cNvPr id="3" name="Content Placeholder 2"/>
+          <p:cNvSpPr>
+            <a:spLocks noGrp="1"/>
+          </p:cNvSpPr>
+          <p:nvPr>
+            <p:ph sz="half" idx="1"/>
+          </p:nvPr>
+        </p:nvSpPr>
+        <p:spPr/>
+        <p:txBody>
+          <a:bodyPr/>
+          <a:lstStyle/>
+          <a:p>
+            <a:r>
+              <a:rPr lang="en-US" dirty="0" smtClean="0"/>
+              <a:t>If else</a:t>
+            </a:r>
+          </a:p>
+          <a:p>
+            <a:r>
+              <a:rPr lang="en-US" dirty="0" smtClean="0"/>
+              <a:t>If </a:t>
+            </a:r>
+            <a:r>
+              <a:rPr lang="en-US" dirty="0" err="1" smtClean="0"/>
+              <a:t>elif</a:t>
+            </a:r>
+            <a:r>
+              <a:rPr lang="en-US" dirty="0" smtClean="0"/>
+              <a:t> else</a:t>
+            </a:r>
+            <a:endParaRPr lang="en-US" dirty="0"/>
+          </a:p>
+        </p:txBody>
+      </p:sp>
+      <p:sp>
+        <p:nvSpPr>
+          <p:cNvPr id="4" name="Content Placeholder 3"/>
+          <p:cNvSpPr>
+            <a:spLocks noGrp="1"/>
+          </p:cNvSpPr>
+          <p:nvPr>
+            <p:ph sz="half" idx="2"/>
+          </p:nvPr>
+        </p:nvSpPr>
+        <p:spPr/>
+        <p:txBody>
+          <a:bodyPr/>
+          <a:lstStyle/>
+          <a:p>
+            <a:endParaRPr lang="en-US" dirty="0"/>
+          </a:p>
+        </p:txBody>
+      </p:sp>
+      <p:pic>
+        <p:nvPicPr>
+          <p:cNvPr id="9218" name="Picture 2"/>
+          <p:cNvPicPr>
+            <a:picLocks noChangeAspect="1" noChangeArrowheads="1"/>
+          </p:cNvPicPr>
+          <p:nvPr/>
+        </p:nvPicPr>
+        <p:blipFill>
+          <a:blip r:embed="rId2">
+            <a:extLst>
+              <a:ext uri="{28A0092B-C50C-407E-A947-70E740481C1C}">
+                <a14:useLocalDpi xmlns:a14="http://schemas.microsoft.com/office/drawing/2010/main" val="0"/>
+              </a:ext>
+            </a:extLst>
+          </a:blip>
+          <a:srcRect/>
+          <a:stretch>
+            <a:fillRect/>
+          </a:stretch>
+        </p:blipFill>
+        <p:spPr bwMode="auto">
+          <a:xfrm>
+            <a:off x="4800600" y="2524124"/>
+            <a:ext cx="3738563" cy="1495425"/>
+          </a:xfrm>
+          <a:prstGeom prst="rect">
+            <a:avLst/>
+          </a:prstGeom>
+          <a:noFill/>
+          <a:ln>
+            <a:noFill/>
+          </a:ln>
+          <a:effectLst/>
+          <a:extLst>
+            <a:ext uri="{909E8E84-426E-40DD-AFC4-6F175D3DCCD1}">
+              <a14:hiddenFill xmlns:a14="http://schemas.microsoft.com/office/drawing/2010/main">
+                <a:solidFill>
+                  <a:schemeClr val="accent1"/>
+                </a:solidFill>
+              </a14:hiddenFill>
+            </a:ext>
+            <a:ext uri="{91240B29-F687-4F45-9708-019B960494DF}">
+              <a14:hiddenLine xmlns:a14="http://schemas.microsoft.com/office/drawing/2010/main" w="9525">
+                <a:solidFill>
+                  <a:schemeClr val="tx1"/>
+                </a:solidFill>
+                <a:miter lim="800000"/>
+                <a:headEnd/>
+                <a:tailEnd/>
+              </a14:hiddenLine>
+            </a:ext>
+            <a:ext uri="{AF507438-7753-43E0-B8FC-AC1667EBCBE1}">
+              <a14:hiddenEffects xmlns:a14="http://schemas.microsoft.com/office/drawing/2010/main">
+                <a:effectLst>
+                  <a:outerShdw dist="35921" dir="2700000" algn="ctr" rotWithShape="0">
+                    <a:schemeClr val="bg2"/>
+                  </a:outerShdw>
+                </a:effectLst>
+              </a14:hiddenEffects>
+            </a:ext>
+          </a:extLst>
+        </p:spPr>
+      </p:pic>
+      <p:pic>
+        <p:nvPicPr>
+          <p:cNvPr id="9219" name="Picture 3"/>
+          <p:cNvPicPr>
+            <a:picLocks noChangeAspect="1" noChangeArrowheads="1"/>
+          </p:cNvPicPr>
+          <p:nvPr/>
+        </p:nvPicPr>
+        <p:blipFill>
+          <a:blip r:embed="rId3">
+            <a:extLst>
+              <a:ext uri="{28A0092B-C50C-407E-A947-70E740481C1C}">
+                <a14:useLocalDpi xmlns:a14="http://schemas.microsoft.com/office/drawing/2010/main" val="0"/>
+              </a:ext>
+            </a:extLst>
+          </a:blip>
+          <a:srcRect/>
+          <a:stretch>
+            <a:fillRect/>
+          </a:stretch>
+        </p:blipFill>
+        <p:spPr bwMode="auto">
+          <a:xfrm>
+            <a:off x="4876800" y="4019549"/>
+            <a:ext cx="2971806" cy="1028702"/>
+          </a:xfrm>
+          <a:prstGeom prst="rect">
+            <a:avLst/>
+          </a:prstGeom>
+          <a:noFill/>
+          <a:ln>
+            <a:noFill/>
+          </a:ln>
+          <a:effectLst/>
+          <a:extLst>
+            <a:ext uri="{909E8E84-426E-40DD-AFC4-6F175D3DCCD1}">
+              <a14:hiddenFill xmlns:a14="http://schemas.microsoft.com/office/drawing/2010/main">
+                <a:solidFill>
+                  <a:schemeClr val="accent1"/>
+                </a:solidFill>
+              </a14:hiddenFill>
+            </a:ext>
+            <a:ext uri="{91240B29-F687-4F45-9708-019B960494DF}">
+              <a14:hiddenLine xmlns:a14="http://schemas.microsoft.com/office/drawing/2010/main" w="9525">
+                <a:solidFill>
+                  <a:schemeClr val="tx1"/>
+                </a:solidFill>
+                <a:miter lim="800000"/>
+                <a:headEnd/>
+                <a:tailEnd/>
+              </a14:hiddenLine>
+            </a:ext>
+            <a:ext uri="{AF507438-7753-43E0-B8FC-AC1667EBCBE1}">
+              <a14:hiddenEffects xmlns:a14="http://schemas.microsoft.com/office/drawing/2010/main">
+                <a:effectLst>
+                  <a:outerShdw dist="35921" dir="2700000" algn="ctr" rotWithShape="0">
+                    <a:schemeClr val="bg2"/>
+                  </a:outerShdw>
+                </a:effectLst>
+              </a14:hiddenEffects>
+            </a:ext>
+          </a:extLst>
+        </p:spPr>
+      </p:pic>
+    </p:spTree>
+    <p:extLst>
+      <p:ext uri="{BB962C8B-B14F-4D97-AF65-F5344CB8AC3E}">
+        <p14:creationId xmlns:p14="http://schemas.microsoft.com/office/powerpoint/2010/main" val="2359350260"/>
+      </p:ext>
+    </p:extLst>
+  </p:cSld>
+  <p:clrMapOvr>
+    <a:masterClrMapping/>
+  </p:clrMapOvr>
+  <p:timing>
+    <p:tnLst>
+      <p:par>
+        <p:cTn id="1" dur="indefinite" restart="never" nodeType="tmRoot"/>
+      </p:par>
+    </p:tnLst>
+  </p:timing>
+</p:sld>
+</file>
+
+<file path=ppt/slides/slide26.xml><?xml version="1.0" encoding="utf-8"?>
+<p:sld xmlns:a="http://schemas.openxmlformats.org/drawingml/2006/main" xmlns:r="http://schemas.openxmlformats.org/officeDocument/2006/relationships" xmlns:p="http://schemas.openxmlformats.org/presentationml/2006/main">
+  <p:cSld>
+    <p:spTree>
+      <p:nvGrpSpPr>
+        <p:cNvPr id="1" name=""/>
+        <p:cNvGrpSpPr/>
+        <p:nvPr/>
+      </p:nvGrpSpPr>
+      <p:grpSpPr>
+        <a:xfrm>
+          <a:off x="0" y="0"/>
+          <a:ext cx="0" cy="0"/>
+          <a:chOff x="0" y="0"/>
+          <a:chExt cx="0" cy="0"/>
+        </a:xfrm>
+      </p:grpSpPr>
+      <p:sp>
+        <p:nvSpPr>
+          <p:cNvPr id="2" name="Title 1"/>
+          <p:cNvSpPr>
+            <a:spLocks noGrp="1"/>
+          </p:cNvSpPr>
+          <p:nvPr>
+            <p:ph type="title"/>
+          </p:nvPr>
+        </p:nvSpPr>
+        <p:spPr/>
+        <p:txBody>
+          <a:bodyPr/>
+          <a:lstStyle/>
+          <a:p>
+            <a:r>
+              <a:rPr lang="en-US" dirty="0" err="1" smtClean="0"/>
+              <a:t>Perulangan</a:t>
+            </a:r>
+            <a:endParaRPr lang="en-US" dirty="0"/>
+          </a:p>
+        </p:txBody>
+      </p:sp>
+      <p:sp>
+        <p:nvSpPr>
+          <p:cNvPr id="3" name="Content Placeholder 2"/>
+          <p:cNvSpPr>
+            <a:spLocks noGrp="1"/>
+          </p:cNvSpPr>
+          <p:nvPr>
+            <p:ph sz="half" idx="1"/>
+          </p:nvPr>
+        </p:nvSpPr>
+        <p:spPr/>
+        <p:txBody>
+          <a:bodyPr/>
+          <a:lstStyle/>
+          <a:p>
+            <a:r>
+              <a:rPr lang="en-US" dirty="0" smtClean="0"/>
+              <a:t>For loop</a:t>
+            </a:r>
+          </a:p>
+          <a:p>
+            <a:endParaRPr lang="en-US" dirty="0"/>
+          </a:p>
+          <a:p>
+            <a:endParaRPr lang="en-US" dirty="0" smtClean="0"/>
+          </a:p>
+          <a:p>
+            <a:endParaRPr lang="en-US" dirty="0"/>
+          </a:p>
+          <a:p>
+            <a:endParaRPr lang="en-US" dirty="0" smtClean="0"/>
+          </a:p>
+        </p:txBody>
+      </p:sp>
+      <p:sp>
+        <p:nvSpPr>
+          <p:cNvPr id="4" name="Content Placeholder 3"/>
+          <p:cNvSpPr>
+            <a:spLocks noGrp="1"/>
+          </p:cNvSpPr>
+          <p:nvPr>
+            <p:ph sz="half" idx="2"/>
+          </p:nvPr>
+        </p:nvSpPr>
+        <p:spPr/>
+        <p:txBody>
+          <a:bodyPr/>
+          <a:lstStyle/>
+          <a:p>
+            <a:r>
+              <a:rPr lang="en-US" dirty="0"/>
+              <a:t>While loop</a:t>
+            </a:r>
+          </a:p>
+          <a:p>
+            <a:endParaRPr lang="en-US" dirty="0"/>
+          </a:p>
+        </p:txBody>
+      </p:sp>
+      <p:pic>
+        <p:nvPicPr>
+          <p:cNvPr id="10242" name="Picture 2"/>
+          <p:cNvPicPr>
+            <a:picLocks noChangeAspect="1" noChangeArrowheads="1"/>
+          </p:cNvPicPr>
+          <p:nvPr/>
+        </p:nvPicPr>
+        <p:blipFill rotWithShape="1">
+          <a:blip r:embed="rId2">
+            <a:extLst>
+              <a:ext uri="{28A0092B-C50C-407E-A947-70E740481C1C}">
+                <a14:useLocalDpi xmlns:a14="http://schemas.microsoft.com/office/drawing/2010/main" val="0"/>
+              </a:ext>
+            </a:extLst>
+          </a:blip>
+          <a:srcRect l="22355"/>
+          <a:stretch/>
+        </p:blipFill>
+        <p:spPr bwMode="auto">
+          <a:xfrm>
+            <a:off x="838200" y="2286000"/>
+            <a:ext cx="3374390" cy="1104900"/>
+          </a:xfrm>
+          <a:prstGeom prst="rect">
+            <a:avLst/>
+          </a:prstGeom>
+          <a:noFill/>
+          <a:ln>
+            <a:noFill/>
+          </a:ln>
+          <a:effectLst/>
+          <a:extLst>
+            <a:ext uri="{909E8E84-426E-40DD-AFC4-6F175D3DCCD1}">
+              <a14:hiddenFill xmlns:a14="http://schemas.microsoft.com/office/drawing/2010/main">
+                <a:solidFill>
+                  <a:schemeClr val="accent1"/>
+                </a:solidFill>
+              </a14:hiddenFill>
+            </a:ext>
+            <a:ext uri="{91240B29-F687-4F45-9708-019B960494DF}">
+              <a14:hiddenLine xmlns:a14="http://schemas.microsoft.com/office/drawing/2010/main" w="9525">
+                <a:solidFill>
+                  <a:schemeClr val="tx1"/>
+                </a:solidFill>
+                <a:miter lim="800000"/>
+                <a:headEnd/>
+                <a:tailEnd/>
+              </a14:hiddenLine>
+            </a:ext>
+            <a:ext uri="{AF507438-7753-43E0-B8FC-AC1667EBCBE1}">
+              <a14:hiddenEffects xmlns:a14="http://schemas.microsoft.com/office/drawing/2010/main">
+                <a:effectLst>
+                  <a:outerShdw dist="35921" dir="2700000" algn="ctr" rotWithShape="0">
+                    <a:schemeClr val="bg2"/>
+                  </a:outerShdw>
+                </a:effectLst>
+              </a14:hiddenEffects>
+            </a:ext>
+          </a:extLst>
+        </p:spPr>
+      </p:pic>
+      <p:pic>
+        <p:nvPicPr>
+          <p:cNvPr id="10243" name="Picture 3"/>
+          <p:cNvPicPr>
+            <a:picLocks noChangeAspect="1" noChangeArrowheads="1"/>
+          </p:cNvPicPr>
+          <p:nvPr/>
+        </p:nvPicPr>
+        <p:blipFill>
+          <a:blip r:embed="rId3">
+            <a:extLst>
+              <a:ext uri="{28A0092B-C50C-407E-A947-70E740481C1C}">
+                <a14:useLocalDpi xmlns:a14="http://schemas.microsoft.com/office/drawing/2010/main" val="0"/>
+              </a:ext>
+            </a:extLst>
+          </a:blip>
+          <a:srcRect/>
+          <a:stretch>
+            <a:fillRect/>
+          </a:stretch>
+        </p:blipFill>
+        <p:spPr bwMode="auto">
+          <a:xfrm>
+            <a:off x="952500" y="3501131"/>
+            <a:ext cx="2400300" cy="2773162"/>
+          </a:xfrm>
+          <a:prstGeom prst="rect">
+            <a:avLst/>
+          </a:prstGeom>
+          <a:noFill/>
+          <a:ln>
+            <a:noFill/>
+          </a:ln>
+          <a:effectLst/>
+          <a:extLst>
+            <a:ext uri="{909E8E84-426E-40DD-AFC4-6F175D3DCCD1}">
+              <a14:hiddenFill xmlns:a14="http://schemas.microsoft.com/office/drawing/2010/main">
+                <a:solidFill>
+                  <a:schemeClr val="accent1"/>
+                </a:solidFill>
+              </a14:hiddenFill>
+            </a:ext>
+            <a:ext uri="{91240B29-F687-4F45-9708-019B960494DF}">
+              <a14:hiddenLine xmlns:a14="http://schemas.microsoft.com/office/drawing/2010/main" w="9525">
+                <a:solidFill>
+                  <a:schemeClr val="tx1"/>
+                </a:solidFill>
+                <a:miter lim="800000"/>
+                <a:headEnd/>
+                <a:tailEnd/>
+              </a14:hiddenLine>
+            </a:ext>
+            <a:ext uri="{AF507438-7753-43E0-B8FC-AC1667EBCBE1}">
+              <a14:hiddenEffects xmlns:a14="http://schemas.microsoft.com/office/drawing/2010/main">
+                <a:effectLst>
+                  <a:outerShdw dist="35921" dir="2700000" algn="ctr" rotWithShape="0">
+                    <a:schemeClr val="bg2"/>
+                  </a:outerShdw>
+                </a:effectLst>
+              </a14:hiddenEffects>
+            </a:ext>
+          </a:extLst>
+        </p:spPr>
+      </p:pic>
+      <p:pic>
+        <p:nvPicPr>
+          <p:cNvPr id="10244" name="Picture 4"/>
+          <p:cNvPicPr>
+            <a:picLocks noChangeAspect="1" noChangeArrowheads="1"/>
+          </p:cNvPicPr>
+          <p:nvPr/>
+        </p:nvPicPr>
+        <p:blipFill>
+          <a:blip r:embed="rId4">
+            <a:extLst>
+              <a:ext uri="{28A0092B-C50C-407E-A947-70E740481C1C}">
+                <a14:useLocalDpi xmlns:a14="http://schemas.microsoft.com/office/drawing/2010/main" val="0"/>
+              </a:ext>
+            </a:extLst>
+          </a:blip>
+          <a:srcRect/>
+          <a:stretch>
+            <a:fillRect/>
+          </a:stretch>
+        </p:blipFill>
+        <p:spPr bwMode="auto">
+          <a:xfrm>
+            <a:off x="5072063" y="2362200"/>
+            <a:ext cx="2479176" cy="1952625"/>
+          </a:xfrm>
+          <a:prstGeom prst="rect">
+            <a:avLst/>
+          </a:prstGeom>
+          <a:noFill/>
+          <a:ln>
+            <a:noFill/>
+          </a:ln>
+          <a:effectLst/>
+          <a:extLst>
+            <a:ext uri="{909E8E84-426E-40DD-AFC4-6F175D3DCCD1}">
+              <a14:hiddenFill xmlns:a14="http://schemas.microsoft.com/office/drawing/2010/main">
+                <a:solidFill>
+                  <a:schemeClr val="accent1"/>
+                </a:solidFill>
+              </a14:hiddenFill>
+            </a:ext>
+            <a:ext uri="{91240B29-F687-4F45-9708-019B960494DF}">
+              <a14:hiddenLine xmlns:a14="http://schemas.microsoft.com/office/drawing/2010/main" w="9525">
+                <a:solidFill>
+                  <a:schemeClr val="tx1"/>
+                </a:solidFill>
+                <a:miter lim="800000"/>
+                <a:headEnd/>
+                <a:tailEnd/>
+              </a14:hiddenLine>
+            </a:ext>
+            <a:ext uri="{AF507438-7753-43E0-B8FC-AC1667EBCBE1}">
+              <a14:hiddenEffects xmlns:a14="http://schemas.microsoft.com/office/drawing/2010/main">
+                <a:effectLst>
+                  <a:outerShdw dist="35921" dir="2700000" algn="ctr" rotWithShape="0">
+                    <a:schemeClr val="bg2"/>
+                  </a:outerShdw>
+                </a:effectLst>
+              </a14:hiddenEffects>
+            </a:ext>
+          </a:extLst>
+        </p:spPr>
+      </p:pic>
+      <p:pic>
+        <p:nvPicPr>
+          <p:cNvPr id="10245" name="Picture 5"/>
+          <p:cNvPicPr>
+            <a:picLocks noChangeAspect="1" noChangeArrowheads="1"/>
+          </p:cNvPicPr>
+          <p:nvPr/>
+        </p:nvPicPr>
+        <p:blipFill>
+          <a:blip r:embed="rId5">
+            <a:extLst>
+              <a:ext uri="{28A0092B-C50C-407E-A947-70E740481C1C}">
+                <a14:useLocalDpi xmlns:a14="http://schemas.microsoft.com/office/drawing/2010/main" val="0"/>
+              </a:ext>
+            </a:extLst>
+          </a:blip>
+          <a:srcRect/>
+          <a:stretch>
+            <a:fillRect/>
+          </a:stretch>
+        </p:blipFill>
+        <p:spPr bwMode="auto">
+          <a:xfrm>
+            <a:off x="5148263" y="4191000"/>
+            <a:ext cx="1938337" cy="2075564"/>
+          </a:xfrm>
+          <a:prstGeom prst="rect">
+            <a:avLst/>
+          </a:prstGeom>
+          <a:noFill/>
+          <a:ln>
+            <a:noFill/>
+          </a:ln>
+          <a:effectLst/>
+          <a:extLst>
+            <a:ext uri="{909E8E84-426E-40DD-AFC4-6F175D3DCCD1}">
+              <a14:hiddenFill xmlns:a14="http://schemas.microsoft.com/office/drawing/2010/main">
+                <a:solidFill>
+                  <a:schemeClr val="accent1"/>
+                </a:solidFill>
+              </a14:hiddenFill>
+            </a:ext>
+            <a:ext uri="{91240B29-F687-4F45-9708-019B960494DF}">
+              <a14:hiddenLine xmlns:a14="http://schemas.microsoft.com/office/drawing/2010/main" w="9525">
+                <a:solidFill>
+                  <a:schemeClr val="tx1"/>
+                </a:solidFill>
+                <a:miter lim="800000"/>
+                <a:headEnd/>
+                <a:tailEnd/>
+              </a14:hiddenLine>
+            </a:ext>
+            <a:ext uri="{AF507438-7753-43E0-B8FC-AC1667EBCBE1}">
+              <a14:hiddenEffects xmlns:a14="http://schemas.microsoft.com/office/drawing/2010/main">
+                <a:effectLst>
+                  <a:outerShdw dist="35921" dir="2700000" algn="ctr" rotWithShape="0">
+                    <a:schemeClr val="bg2"/>
+                  </a:outerShdw>
+                </a:effectLst>
+              </a14:hiddenEffects>
+            </a:ext>
+          </a:extLst>
+        </p:spPr>
+      </p:pic>
+    </p:spTree>
+    <p:extLst>
+      <p:ext uri="{BB962C8B-B14F-4D97-AF65-F5344CB8AC3E}">
+        <p14:creationId xmlns:p14="http://schemas.microsoft.com/office/powerpoint/2010/main" val="3328267508"/>
+      </p:ext>
+    </p:extLst>
+  </p:cSld>
+  <p:clrMapOvr>
+    <a:masterClrMapping/>
+  </p:clrMapOvr>
+  <p:timing>
+    <p:tnLst>
+      <p:par>
+        <p:cTn id="1" dur="indefinite" restart="never" nodeType="tmRoot"/>
+      </p:par>
+    </p:tnLst>
+  </p:timing>
+</p:sld>
+</file>
+
+<file path=ppt/slides/slide27.xml><?xml version="1.0" encoding="utf-8"?>
+<p:sld xmlns:a="http://schemas.openxmlformats.org/drawingml/2006/main" xmlns:r="http://schemas.openxmlformats.org/officeDocument/2006/relationships" xmlns:p="http://schemas.openxmlformats.org/presentationml/2006/main">
+  <p:cSld>
+    <p:spTree>
+      <p:nvGrpSpPr>
+        <p:cNvPr id="1" name=""/>
+        <p:cNvGrpSpPr/>
+        <p:nvPr/>
+      </p:nvGrpSpPr>
+      <p:grpSpPr>
+        <a:xfrm>
+          <a:off x="0" y="0"/>
+          <a:ext cx="0" cy="0"/>
+          <a:chOff x="0" y="0"/>
+          <a:chExt cx="0" cy="0"/>
+        </a:xfrm>
+      </p:grpSpPr>
+      <p:sp>
+        <p:nvSpPr>
+          <p:cNvPr id="5" name="Title 4"/>
+          <p:cNvSpPr>
+            <a:spLocks noGrp="1"/>
+          </p:cNvSpPr>
+          <p:nvPr>
+            <p:ph type="ctrTitle"/>
+          </p:nvPr>
+        </p:nvSpPr>
+        <p:spPr/>
+        <p:txBody>
+          <a:bodyPr/>
+          <a:lstStyle/>
+          <a:p>
+            <a:r>
+              <a:rPr lang="en-US" dirty="0" err="1" smtClean="0"/>
+              <a:t>Terima</a:t>
+            </a:r>
+            <a:r>
+              <a:rPr lang="en-US" dirty="0" smtClean="0"/>
+              <a:t> </a:t>
+            </a:r>
+            <a:r>
+              <a:rPr lang="en-US" dirty="0" err="1" smtClean="0"/>
+              <a:t>Kasih</a:t>
+            </a:r>
+            <a:endParaRPr lang="en-US" dirty="0"/>
+          </a:p>
+        </p:txBody>
+      </p:sp>
+      <p:sp>
+        <p:nvSpPr>
+          <p:cNvPr id="6" name="Subtitle 5"/>
+          <p:cNvSpPr>
+            <a:spLocks noGrp="1"/>
+          </p:cNvSpPr>
+          <p:nvPr>
+            <p:ph type="subTitle" idx="1"/>
+          </p:nvPr>
+        </p:nvSpPr>
+        <p:spPr/>
+        <p:txBody>
+          <a:bodyPr/>
+          <a:lstStyle/>
+          <a:p>
+            <a:endParaRPr lang="en-US" dirty="0"/>
+          </a:p>
+        </p:txBody>
+      </p:sp>
+    </p:spTree>
+    <p:extLst>
+      <p:ext uri="{BB962C8B-B14F-4D97-AF65-F5344CB8AC3E}">
+        <p14:creationId xmlns:p14="http://schemas.microsoft.com/office/powerpoint/2010/main" val="1411244933"/>
       </p:ext>
     </p:extLst>
   </p:cSld>
@@ -7386,17 +10574,16 @@
           </a:p>
           <a:p>
             <a:r>
-              <a:rPr lang="en-US" b="1" dirty="0" err="1" smtClean="0"/>
-              <a:t>angka</a:t>
+              <a:rPr lang="en-US" b="1" dirty="0" smtClean="0"/>
+              <a:t>numbers</a:t>
             </a:r>
             <a:endParaRPr lang="en-US" b="1" dirty="0"/>
           </a:p>
           <a:p>
             <a:r>
-              <a:rPr lang="en-US" b="1" dirty="0" err="1" smtClean="0"/>
-              <a:t>teks</a:t>
-            </a:r>
-            <a:endParaRPr lang="en-US" b="1" dirty="0" smtClean="0"/>
+              <a:rPr lang="en-US" b="1" dirty="0" smtClean="0"/>
+              <a:t>strings</a:t>
+            </a:r>
           </a:p>
           <a:p>
             <a:r>
@@ -7513,13 +10700,8 @@
             </a:r>
             <a:r>
               <a:rPr lang="en-US" b="1" dirty="0" smtClean="0"/>
-              <a:t> data </a:t>
-            </a:r>
-            <a:r>
-              <a:rPr lang="en-US" b="1" dirty="0" err="1" smtClean="0"/>
-              <a:t>angka</a:t>
-            </a:r>
-            <a:endParaRPr lang="en-US" b="1" dirty="0" smtClean="0"/>
+              <a:t> data numbers</a:t>
+            </a:r>
           </a:p>
           <a:p>
             <a:pPr lvl="1"/>

--- a/PPT Albertus Dwi S.pptx
+++ b/PPT Albertus Dwi S.pptx
@@ -5077,11 +5077,7 @@
             </a:r>
             <a:r>
               <a:rPr lang="en-US" dirty="0" smtClean="0"/>
-              <a:t> </a:t>
-            </a:r>
-            <a:r>
-              <a:rPr lang="en-US" dirty="0" smtClean="0"/>
-              <a:t>data </a:t>
+              <a:t> data </a:t>
             </a:r>
             <a:r>
               <a:rPr lang="en-US" dirty="0" err="1" smtClean="0"/>
@@ -5089,11 +5085,7 @@
             </a:r>
             <a:r>
               <a:rPr lang="en-US" dirty="0" smtClean="0"/>
-              <a:t> </a:t>
-            </a:r>
-            <a:r>
-              <a:rPr lang="en-US" dirty="0" smtClean="0"/>
-              <a:t>yang </a:t>
+              <a:t> yang </a:t>
             </a:r>
             <a:r>
               <a:rPr lang="en-US" dirty="0" err="1" smtClean="0"/>
@@ -9285,9 +9277,37 @@
         </p:nvSpPr>
         <p:spPr/>
         <p:txBody>
-          <a:bodyPr/>
-          <a:lstStyle/>
-          <a:p>
+          <a:bodyPr>
+            <a:normAutofit fontScale="85000" lnSpcReduction="10000"/>
+          </a:bodyPr>
+          <a:lstStyle/>
+          <a:p>
+            <a:r>
+              <a:rPr lang="en-US" dirty="0" smtClean="0"/>
+              <a:t>Source :</a:t>
+            </a:r>
+          </a:p>
+          <a:p>
+            <a:r>
+              <a:rPr lang="en-US" dirty="0" smtClean="0"/>
+              <a:t>https://www.tutorialspoint.com/python3/</a:t>
+            </a:r>
+          </a:p>
+          <a:p>
+            <a:r>
+              <a:rPr lang="en-US" dirty="0"/>
+              <a:t>https://</a:t>
+            </a:r>
+            <a:r>
+              <a:rPr lang="en-US" dirty="0" smtClean="0"/>
+              <a:t>belajarpython.com/tutorial/tipe-data-python</a:t>
+            </a:r>
+          </a:p>
+          <a:p>
+            <a:r>
+              <a:rPr lang="en-US" dirty="0"/>
+              <a:t>https://www.petanikode.com/python-variabel-dan-tipe-data/</a:t>
+            </a:r>
             <a:endParaRPr lang="en-US" dirty="0"/>
           </a:p>
         </p:txBody>

--- a/PPT Albertus Dwi S.pptx
+++ b/PPT Albertus Dwi S.pptx
@@ -306,7 +306,7 @@
           <a:p>
             <a:fld id="{C9ACE01B-9166-48D8-A99C-E149DDF05FF5}" type="datetimeFigureOut">
               <a:rPr lang="en-US" smtClean="0"/>
-              <a:t>3/23/2019</a:t>
+              <a:t>3/25/2019</a:t>
             </a:fld>
             <a:endParaRPr lang="en-US"/>
           </a:p>
@@ -471,7 +471,7 @@
           <a:p>
             <a:fld id="{C9ACE01B-9166-48D8-A99C-E149DDF05FF5}" type="datetimeFigureOut">
               <a:rPr lang="en-US" smtClean="0"/>
-              <a:t>3/23/2019</a:t>
+              <a:t>3/25/2019</a:t>
             </a:fld>
             <a:endParaRPr lang="en-US"/>
           </a:p>
@@ -646,7 +646,7 @@
           <a:p>
             <a:fld id="{C9ACE01B-9166-48D8-A99C-E149DDF05FF5}" type="datetimeFigureOut">
               <a:rPr lang="en-US" smtClean="0"/>
-              <a:t>3/23/2019</a:t>
+              <a:t>3/25/2019</a:t>
             </a:fld>
             <a:endParaRPr lang="en-US"/>
           </a:p>
@@ -811,7 +811,7 @@
           <a:p>
             <a:fld id="{C9ACE01B-9166-48D8-A99C-E149DDF05FF5}" type="datetimeFigureOut">
               <a:rPr lang="en-US" smtClean="0"/>
-              <a:t>3/23/2019</a:t>
+              <a:t>3/25/2019</a:t>
             </a:fld>
             <a:endParaRPr lang="en-US"/>
           </a:p>
@@ -1053,7 +1053,7 @@
           <a:p>
             <a:fld id="{C9ACE01B-9166-48D8-A99C-E149DDF05FF5}" type="datetimeFigureOut">
               <a:rPr lang="en-US" smtClean="0"/>
-              <a:t>3/23/2019</a:t>
+              <a:t>3/25/2019</a:t>
             </a:fld>
             <a:endParaRPr lang="en-US"/>
           </a:p>
@@ -1317,7 +1317,7 @@
           <a:p>
             <a:fld id="{C9ACE01B-9166-48D8-A99C-E149DDF05FF5}" type="datetimeFigureOut">
               <a:rPr lang="en-US" smtClean="0"/>
-              <a:t>3/23/2019</a:t>
+              <a:t>3/25/2019</a:t>
             </a:fld>
             <a:endParaRPr lang="en-US"/>
           </a:p>
@@ -1695,7 +1695,7 @@
           <a:p>
             <a:fld id="{C9ACE01B-9166-48D8-A99C-E149DDF05FF5}" type="datetimeFigureOut">
               <a:rPr lang="en-US" smtClean="0"/>
-              <a:t>3/23/2019</a:t>
+              <a:t>3/25/2019</a:t>
             </a:fld>
             <a:endParaRPr lang="en-US"/>
           </a:p>
@@ -1845,7 +1845,7 @@
           <a:p>
             <a:fld id="{C9ACE01B-9166-48D8-A99C-E149DDF05FF5}" type="datetimeFigureOut">
               <a:rPr lang="en-US" smtClean="0"/>
-              <a:t>3/23/2019</a:t>
+              <a:t>3/25/2019</a:t>
             </a:fld>
             <a:endParaRPr lang="en-US"/>
           </a:p>
@@ -1935,7 +1935,7 @@
           <a:p>
             <a:fld id="{C9ACE01B-9166-48D8-A99C-E149DDF05FF5}" type="datetimeFigureOut">
               <a:rPr lang="en-US" smtClean="0"/>
-              <a:t>3/23/2019</a:t>
+              <a:t>3/25/2019</a:t>
             </a:fld>
             <a:endParaRPr lang="en-US"/>
           </a:p>
@@ -2196,7 +2196,7 @@
           <a:p>
             <a:fld id="{C9ACE01B-9166-48D8-A99C-E149DDF05FF5}" type="datetimeFigureOut">
               <a:rPr lang="en-US" smtClean="0"/>
-              <a:t>3/23/2019</a:t>
+              <a:t>3/25/2019</a:t>
             </a:fld>
             <a:endParaRPr lang="en-US"/>
           </a:p>
@@ -2484,7 +2484,7 @@
           <a:p>
             <a:fld id="{C9ACE01B-9166-48D8-A99C-E149DDF05FF5}" type="datetimeFigureOut">
               <a:rPr lang="en-US" smtClean="0"/>
-              <a:t>3/23/2019</a:t>
+              <a:t>3/25/2019</a:t>
             </a:fld>
             <a:endParaRPr lang="en-US"/>
           </a:p>
@@ -3255,7 +3255,7 @@
           <a:p>
             <a:fld id="{C9ACE01B-9166-48D8-A99C-E149DDF05FF5}" type="datetimeFigureOut">
               <a:rPr lang="en-US" smtClean="0"/>
-              <a:t>3/23/2019</a:t>
+              <a:t>3/25/2019</a:t>
             </a:fld>
             <a:endParaRPr lang="en-US"/>
           </a:p>
@@ -3973,6 +3973,18 @@
   <p:clrMapOvr>
     <a:masterClrMapping/>
   </p:clrMapOvr>
+  <mc:AlternateContent xmlns:mc="http://schemas.openxmlformats.org/markup-compatibility/2006">
+    <mc:Choice xmlns:p14="http://schemas.microsoft.com/office/powerpoint/2010/main" Requires="p14">
+      <p:transition p14:dur="100">
+        <p:cut/>
+      </p:transition>
+    </mc:Choice>
+    <mc:Fallback>
+      <p:transition>
+        <p:cut/>
+      </p:transition>
+    </mc:Fallback>
+  </mc:AlternateContent>
   <p:timing>
     <p:tnLst>
       <p:par>
@@ -4294,6 +4306,9 @@
   <p:clrMapOvr>
     <a:masterClrMapping/>
   </p:clrMapOvr>
+  <p:transition spd="slow">
+    <p:randomBar dir="vert"/>
+  </p:transition>
   <p:timing>
     <p:tnLst>
       <p:par>
@@ -4638,6 +4653,18 @@
   <p:clrMapOvr>
     <a:masterClrMapping/>
   </p:clrMapOvr>
+  <mc:AlternateContent xmlns:mc="http://schemas.openxmlformats.org/markup-compatibility/2006">
+    <mc:Choice xmlns:p14="http://schemas.microsoft.com/office/powerpoint/2010/main" Requires="p14">
+      <p:transition spd="slow" p14:dur="1500">
+        <p:split orient="vert"/>
+      </p:transition>
+    </mc:Choice>
+    <mc:Fallback>
+      <p:transition spd="slow">
+        <p:split orient="vert"/>
+      </p:transition>
+    </mc:Fallback>
+  </mc:AlternateContent>
   <p:timing>
     <p:tnLst>
       <p:par>
@@ -4987,6 +5014,9 @@
   <p:clrMapOvr>
     <a:masterClrMapping/>
   </p:clrMapOvr>
+  <p:transition spd="slow">
+    <p:wipe/>
+  </p:transition>
   <p:timing>
     <p:tnLst>
       <p:par>
@@ -5279,6 +5309,18 @@
   <p:clrMapOvr>
     <a:masterClrMapping/>
   </p:clrMapOvr>
+  <mc:AlternateContent xmlns:mc="http://schemas.openxmlformats.org/markup-compatibility/2006">
+    <mc:Choice xmlns:p14="http://schemas.microsoft.com/office/powerpoint/2010/main" Requires="p14">
+      <p:transition spd="med" p14:dur="700">
+        <p:fade/>
+      </p:transition>
+    </mc:Choice>
+    <mc:Fallback>
+      <p:transition spd="med">
+        <p:fade/>
+      </p:transition>
+    </mc:Fallback>
+  </mc:AlternateContent>
   <p:timing>
     <p:tnLst>
       <p:par>
@@ -5619,6 +5661,9 @@
   <p:clrMapOvr>
     <a:masterClrMapping/>
   </p:clrMapOvr>
+  <p:transition spd="slow">
+    <p:push dir="u"/>
+  </p:transition>
   <p:timing>
     <p:tnLst>
       <p:par>
@@ -5921,6 +5966,18 @@
   <p:clrMapOvr>
     <a:masterClrMapping/>
   </p:clrMapOvr>
+  <mc:AlternateContent xmlns:mc="http://schemas.openxmlformats.org/markup-compatibility/2006">
+    <mc:Choice xmlns:p14="http://schemas.microsoft.com/office/powerpoint/2010/main" Requires="p14">
+      <p:transition spd="slow" p14:dur="800">
+        <p:circle/>
+      </p:transition>
+    </mc:Choice>
+    <mc:Fallback>
+      <p:transition spd="slow">
+        <p:circle/>
+      </p:transition>
+    </mc:Fallback>
+  </mc:AlternateContent>
   <p:timing>
     <p:tnLst>
       <p:par>
@@ -6266,6 +6323,9 @@
   <p:clrMapOvr>
     <a:masterClrMapping/>
   </p:clrMapOvr>
+  <p:transition spd="slow">
+    <p:cover/>
+  </p:transition>
   <p:timing>
     <p:tnLst>
       <p:par>
@@ -6479,6 +6539,18 @@
   <p:clrMapOvr>
     <a:masterClrMapping/>
   </p:clrMapOvr>
+  <mc:AlternateContent xmlns:mc="http://schemas.openxmlformats.org/markup-compatibility/2006">
+    <mc:Choice xmlns:p14="http://schemas.microsoft.com/office/powerpoint/2010/main" Requires="p14">
+      <p:transition spd="slow" p14:dur="1400">
+        <p14:ripple/>
+      </p:transition>
+    </mc:Choice>
+    <mc:Fallback>
+      <p:transition spd="slow">
+        <p:fade/>
+      </p:transition>
+    </mc:Fallback>
+  </mc:AlternateContent>
   <p:timing>
     <p:tnLst>
       <p:par>
@@ -6682,6 +6754,9 @@
   <p:clrMapOvr>
     <a:masterClrMapping/>
   </p:clrMapOvr>
+  <p:transition spd="slow">
+    <p:wipe/>
+  </p:transition>
   <p:timing>
     <p:tnLst>
       <p:par>
@@ -6927,6 +7002,18 @@
   <p:clrMapOvr>
     <a:masterClrMapping/>
   </p:clrMapOvr>
+  <mc:AlternateContent xmlns:mc="http://schemas.openxmlformats.org/markup-compatibility/2006">
+    <mc:Choice xmlns:p14="http://schemas.microsoft.com/office/powerpoint/2010/main" Requires="p14">
+      <p:transition spd="slow" p14:dur="1600">
+        <p:blinds dir="vert"/>
+      </p:transition>
+    </mc:Choice>
+    <mc:Fallback>
+      <p:transition spd="slow">
+        <p:blinds dir="vert"/>
+      </p:transition>
+    </mc:Fallback>
+  </mc:AlternateContent>
   <p:timing>
     <p:tnLst>
       <p:par>
@@ -7232,6 +7319,18 @@
   <p:clrMapOvr>
     <a:masterClrMapping/>
   </p:clrMapOvr>
+  <mc:AlternateContent xmlns:mc="http://schemas.openxmlformats.org/markup-compatibility/2006">
+    <mc:Choice xmlns:p14="http://schemas.microsoft.com/office/powerpoint/2010/main" Requires="p14">
+      <p:transition spd="med" p14:dur="700">
+        <p:fade/>
+      </p:transition>
+    </mc:Choice>
+    <mc:Fallback>
+      <p:transition spd="med">
+        <p:fade/>
+      </p:transition>
+    </mc:Fallback>
+  </mc:AlternateContent>
   <p:timing>
     <p:tnLst>
       <p:par>
@@ -7573,6 +7672,18 @@
   <p:clrMapOvr>
     <a:masterClrMapping/>
   </p:clrMapOvr>
+  <mc:AlternateContent xmlns:mc="http://schemas.openxmlformats.org/markup-compatibility/2006">
+    <mc:Choice xmlns:p14="http://schemas.microsoft.com/office/powerpoint/2010/main" Requires="p14">
+      <p:transition spd="slow" p14:dur="1100">
+        <p14:switch dir="r"/>
+      </p:transition>
+    </mc:Choice>
+    <mc:Fallback>
+      <p:transition spd="slow">
+        <p:fade/>
+      </p:transition>
+    </mc:Fallback>
+  </mc:AlternateContent>
   <p:timing>
     <p:tnLst>
       <p:par>
@@ -7923,6 +8034,18 @@
   <p:clrMapOvr>
     <a:masterClrMapping/>
   </p:clrMapOvr>
+  <mc:AlternateContent xmlns:mc="http://schemas.openxmlformats.org/markup-compatibility/2006">
+    <mc:Choice xmlns:p14="http://schemas.microsoft.com/office/powerpoint/2010/main" Requires="p14">
+      <p:transition spd="slow" p14:dur="2500">
+        <p:checker/>
+      </p:transition>
+    </mc:Choice>
+    <mc:Fallback>
+      <p:transition spd="slow">
+        <p:checker/>
+      </p:transition>
+    </mc:Fallback>
+  </mc:AlternateContent>
   <p:timing>
     <p:tnLst>
       <p:par>
@@ -8114,6 +8237,18 @@
   <p:clrMapOvr>
     <a:masterClrMapping/>
   </p:clrMapOvr>
+  <mc:AlternateContent xmlns:mc="http://schemas.openxmlformats.org/markup-compatibility/2006">
+    <mc:Choice xmlns:p14="http://schemas.microsoft.com/office/powerpoint/2010/main" Requires="p14">
+      <p:transition spd="slow" p14:dur="1200">
+        <p:dissolve/>
+      </p:transition>
+    </mc:Choice>
+    <mc:Fallback>
+      <p:transition spd="slow">
+        <p:dissolve/>
+      </p:transition>
+    </mc:Fallback>
+  </mc:AlternateContent>
   <p:timing>
     <p:tnLst>
       <p:par>
@@ -8367,6 +8502,18 @@
   <p:clrMapOvr>
     <a:masterClrMapping/>
   </p:clrMapOvr>
+  <mc:AlternateContent xmlns:mc="http://schemas.openxmlformats.org/markup-compatibility/2006">
+    <mc:Choice xmlns:p14="http://schemas.microsoft.com/office/powerpoint/2010/main" Requires="p14">
+      <p:transition spd="slow" p14:dur="3900">
+        <p14:glitter pattern="hexagon"/>
+      </p:transition>
+    </mc:Choice>
+    <mc:Fallback>
+      <p:transition spd="slow">
+        <p:fade/>
+      </p:transition>
+    </mc:Fallback>
+  </mc:AlternateContent>
   <p:timing>
     <p:tnLst>
       <p:par>
@@ -8590,6 +8737,18 @@
   <p:clrMapOvr>
     <a:masterClrMapping/>
   </p:clrMapOvr>
+  <mc:AlternateContent xmlns:mc="http://schemas.openxmlformats.org/markup-compatibility/2006">
+    <mc:Choice xmlns:p14="http://schemas.microsoft.com/office/powerpoint/2010/main" Requires="p14">
+      <p:transition spd="slow" p14:dur="2000">
+        <p14:prism isContent="1"/>
+      </p:transition>
+    </mc:Choice>
+    <mc:Fallback>
+      <p:transition spd="slow">
+        <p:fade/>
+      </p:transition>
+    </mc:Fallback>
+  </mc:AlternateContent>
   <p:timing>
     <p:tnLst>
       <p:par>
@@ -9207,6 +9366,18 @@
   <p:clrMapOvr>
     <a:masterClrMapping/>
   </p:clrMapOvr>
+  <mc:AlternateContent xmlns:mc="http://schemas.openxmlformats.org/markup-compatibility/2006">
+    <mc:Choice xmlns:p14="http://schemas.microsoft.com/office/powerpoint/2010/main" Requires="p14">
+      <p:transition spd="slow" p14:dur="1200">
+        <p14:flip dir="r"/>
+      </p:transition>
+    </mc:Choice>
+    <mc:Fallback>
+      <p:transition spd="slow">
+        <p:fade/>
+      </p:transition>
+    </mc:Fallback>
+  </mc:AlternateContent>
   <p:timing>
     <p:tnLst>
       <p:par>
@@ -9308,7 +9479,6 @@
               <a:rPr lang="en-US" dirty="0"/>
               <a:t>https://www.petanikode.com/python-variabel-dan-tipe-data/</a:t>
             </a:r>
-            <a:endParaRPr lang="en-US" dirty="0"/>
           </a:p>
         </p:txBody>
       </p:sp>
@@ -9322,6 +9492,18 @@
   <p:clrMapOvr>
     <a:masterClrMapping/>
   </p:clrMapOvr>
+  <mc:AlternateContent xmlns:mc="http://schemas.openxmlformats.org/markup-compatibility/2006">
+    <mc:Choice xmlns:p14="http://schemas.microsoft.com/office/powerpoint/2010/main" Requires="p14">
+      <p:transition spd="slow" p14:dur="1100">
+        <p14:switch dir="r"/>
+      </p:transition>
+    </mc:Choice>
+    <mc:Fallback>
+      <p:transition spd="slow">
+        <p:fade/>
+      </p:transition>
+    </mc:Fallback>
+  </mc:AlternateContent>
   <p:timing>
     <p:tnLst>
       <p:par>
@@ -9431,6 +9613,9 @@
   <p:clrMapOvr>
     <a:masterClrMapping/>
   </p:clrMapOvr>
+  <p:transition spd="slow">
+    <p:push dir="u"/>
+  </p:transition>
   <p:timing>
     <p:tnLst>
       <p:par>
@@ -9586,6 +9771,9 @@
   <p:clrMapOvr>
     <a:masterClrMapping/>
   </p:clrMapOvr>
+  <p:transition spd="slow">
+    <p:wipe/>
+  </p:transition>
   <p:timing>
     <p:tnLst>
       <p:par>
@@ -9908,6 +10096,18 @@
   <p:clrMapOvr>
     <a:masterClrMapping/>
   </p:clrMapOvr>
+  <mc:AlternateContent xmlns:mc="http://schemas.openxmlformats.org/markup-compatibility/2006">
+    <mc:Choice xmlns:p14="http://schemas.microsoft.com/office/powerpoint/2010/main" Requires="p14">
+      <p:transition spd="slow" p14:dur="1500">
+        <p:split orient="vert"/>
+      </p:transition>
+    </mc:Choice>
+    <mc:Fallback>
+      <p:transition spd="slow">
+        <p:split orient="vert"/>
+      </p:transition>
+    </mc:Fallback>
+  </mc:AlternateContent>
   <p:timing>
     <p:tnLst>
       <p:par>
@@ -10321,6 +10521,9 @@
   <p:clrMapOvr>
     <a:masterClrMapping/>
   </p:clrMapOvr>
+  <p:transition spd="slow">
+    <p:randomBar dir="vert"/>
+  </p:transition>
   <p:timing>
     <p:tnLst>
       <p:par>
@@ -10464,6 +10667,18 @@
   <p:clrMapOvr>
     <a:masterClrMapping/>
   </p:clrMapOvr>
+  <mc:AlternateContent xmlns:mc="http://schemas.openxmlformats.org/markup-compatibility/2006">
+    <mc:Choice xmlns:p14="http://schemas.microsoft.com/office/powerpoint/2010/main" Requires="p14">
+      <p:transition spd="slow" p14:dur="3400">
+        <p14:reveal/>
+      </p:transition>
+    </mc:Choice>
+    <mc:Fallback>
+      <p:transition spd="slow">
+        <p:fade/>
+      </p:transition>
+    </mc:Fallback>
+  </mc:AlternateContent>
   <p:timing>
     <p:tnLst>
       <p:par>
@@ -10643,6 +10858,18 @@
   <p:clrMapOvr>
     <a:masterClrMapping/>
   </p:clrMapOvr>
+  <mc:AlternateContent xmlns:mc="http://schemas.openxmlformats.org/markup-compatibility/2006">
+    <mc:Choice xmlns:p14="http://schemas.microsoft.com/office/powerpoint/2010/main" Requires="p14">
+      <p:transition spd="slow" p14:dur="800">
+        <p:circle/>
+      </p:transition>
+    </mc:Choice>
+    <mc:Fallback>
+      <p:transition spd="slow">
+        <p:circle/>
+      </p:transition>
+    </mc:Fallback>
+  </mc:AlternateContent>
   <p:timing>
     <p:tnLst>
       <p:par>
@@ -11004,6 +11231,9 @@
   <p:clrMapOvr>
     <a:masterClrMapping/>
   </p:clrMapOvr>
+  <p:transition spd="slow">
+    <p:pull/>
+  </p:transition>
   <p:timing>
     <p:tnLst>
       <p:par>
